--- a/01-MINI PROJECT - FINAL SUBMISSION/Mini Project.pptx
+++ b/01-MINI PROJECT - FINAL SUBMISSION/Mini Project.pptx
@@ -110,7 +110,35 @@
       </a:defRPr>
     </a:lvl9pPr>
   </p:defaultTextStyle>
+  <p:extLst>
+    <p:ext uri="{EFAFB233-063F-42B5-8137-9DF3F51BA10A}">
+      <p15:sldGuideLst xmlns:p15="http://schemas.microsoft.com/office/powerpoint/2012/main">
+        <p15:guide id="1" orient="horz" pos="2160">
+          <p15:clr>
+            <a:srgbClr val="A4A3A4"/>
+          </p15:clr>
+        </p15:guide>
+        <p15:guide id="2" pos="2880">
+          <p15:clr>
+            <a:srgbClr val="A4A3A4"/>
+          </p15:clr>
+        </p15:guide>
+      </p15:sldGuideLst>
+    </p:ext>
+  </p:extLst>
 </p:presentation>
+</file>
+
+<file path=ppt/commentAuthors.xml><?xml version="1.0" encoding="utf-8"?>
+<p:cmAuthorLst xmlns:a="http://schemas.openxmlformats.org/drawingml/2006/main" xmlns:r="http://schemas.openxmlformats.org/officeDocument/2006/relationships" xmlns:p="http://schemas.openxmlformats.org/presentationml/2006/main">
+  <p:cmAuthor id="1" name="Karthikeyan N" initials="KN" lastIdx="0" clrIdx="0">
+    <p:extLst>
+      <p:ext uri="{19B8F6BF-5375-455C-9EA6-DF929625EA0E}">
+        <p15:presenceInfo xmlns:p15="http://schemas.microsoft.com/office/powerpoint/2012/main" userId="0910f87187a3195e" providerId="Windows Live"/>
+      </p:ext>
+    </p:extLst>
+  </p:cmAuthor>
+</p:cmAuthorLst>
 </file>
 
 <file path=ppt/slideLayouts/slideLayout1.xml><?xml version="1.0" encoding="utf-8"?>
@@ -4289,7 +4317,7 @@
           </a:lstStyle>
           <a:p>
             <a:r>
-              <a:rPr lang="en-US" smtClean="0"/>
+              <a:rPr lang="en-US"/>
               <a:t>Click to edit Master title style</a:t>
             </a:r>
             <a:endParaRPr lang="en-US" dirty="0"/>
@@ -4360,7 +4388,7 @@
           </a:lstStyle>
           <a:p>
             <a:r>
-              <a:rPr lang="en-US" smtClean="0"/>
+              <a:rPr lang="en-US"/>
               <a:t>Click to edit Master subtitle style</a:t>
             </a:r>
             <a:endParaRPr lang="en-US" dirty="0"/>
@@ -4389,7 +4417,7 @@
           <a:p>
             <a:fld id="{BA7A2FC8-CA20-44C1-8D29-7C6B04CD7F75}" type="datetimeFigureOut">
               <a:rPr lang="en-US" smtClean="0"/>
-              <a:t>11-May-21</a:t>
+              <a:t>5/14/2021</a:t>
             </a:fld>
             <a:endParaRPr lang="en-US"/>
           </a:p>
@@ -4507,7 +4535,7 @@
           </a:lstStyle>
           <a:p>
             <a:r>
-              <a:rPr lang="en-US" smtClean="0"/>
+              <a:rPr lang="en-US"/>
               <a:t>Click to edit Master title style</a:t>
             </a:r>
             <a:endParaRPr lang="en-US" dirty="0"/>
@@ -4568,7 +4596,7 @@
               <a:buNone/>
             </a:pPr>
             <a:r>
-              <a:rPr lang="en-US" smtClean="0"/>
+              <a:rPr lang="en-US"/>
               <a:t>Click icon to add picture</a:t>
             </a:r>
             <a:endParaRPr lang="en-US" dirty="0"/>
@@ -4636,7 +4664,7 @@
           <a:p>
             <a:pPr lvl="0"/>
             <a:r>
-              <a:rPr lang="en-US" smtClean="0"/>
+              <a:rPr lang="en-US"/>
               <a:t>Click to edit Master text styles</a:t>
             </a:r>
           </a:p>
@@ -4659,7 +4687,7 @@
           <a:p>
             <a:fld id="{BA7A2FC8-CA20-44C1-8D29-7C6B04CD7F75}" type="datetimeFigureOut">
               <a:rPr lang="en-US" smtClean="0"/>
-              <a:t>11-May-21</a:t>
+              <a:t>5/14/2021</a:t>
             </a:fld>
             <a:endParaRPr lang="en-US"/>
           </a:p>
@@ -4767,7 +4795,7 @@
           </a:lstStyle>
           <a:p>
             <a:r>
-              <a:rPr lang="en-US" smtClean="0"/>
+              <a:rPr lang="en-US"/>
               <a:t>Click to edit Master title style</a:t>
             </a:r>
             <a:endParaRPr lang="en-US" dirty="0"/>
@@ -4835,7 +4863,7 @@
           <a:p>
             <a:pPr lvl="0"/>
             <a:r>
-              <a:rPr lang="en-US" smtClean="0"/>
+              <a:rPr lang="en-US"/>
               <a:t>Click to edit Master text styles</a:t>
             </a:r>
           </a:p>
@@ -4858,7 +4886,7 @@
           <a:p>
             <a:fld id="{BA7A2FC8-CA20-44C1-8D29-7C6B04CD7F75}" type="datetimeFigureOut">
               <a:rPr lang="en-US" smtClean="0"/>
-              <a:t>11-May-21</a:t>
+              <a:t>5/14/2021</a:t>
             </a:fld>
             <a:endParaRPr lang="en-US"/>
           </a:p>
@@ -4966,7 +4994,7 @@
           </a:lstStyle>
           <a:p>
             <a:r>
-              <a:rPr lang="en-US" smtClean="0"/>
+              <a:rPr lang="en-US"/>
               <a:t>Click to edit Master title style</a:t>
             </a:r>
             <a:endParaRPr lang="en-US" dirty="0"/>
@@ -5034,7 +5062,7 @@
           <a:p>
             <a:pPr lvl="0"/>
             <a:r>
-              <a:rPr lang="en-US" smtClean="0"/>
+              <a:rPr lang="en-US"/>
               <a:t>Click to edit Master text styles</a:t>
             </a:r>
           </a:p>
@@ -5101,7 +5129,7 @@
           <a:p>
             <a:pPr lvl="0"/>
             <a:r>
-              <a:rPr lang="en-US" smtClean="0"/>
+              <a:rPr lang="en-US"/>
               <a:t>Click to edit Master text styles</a:t>
             </a:r>
           </a:p>
@@ -5124,7 +5152,7 @@
           <a:p>
             <a:fld id="{BA7A2FC8-CA20-44C1-8D29-7C6B04CD7F75}" type="datetimeFigureOut">
               <a:rPr lang="en-US" smtClean="0"/>
-              <a:t>11-May-21</a:t>
+              <a:t>5/14/2021</a:t>
             </a:fld>
             <a:endParaRPr lang="en-US"/>
           </a:p>
@@ -5470,7 +5498,7 @@
           </a:lstStyle>
           <a:p>
             <a:r>
-              <a:rPr lang="en-US" smtClean="0"/>
+              <a:rPr lang="en-US"/>
               <a:t>Click to edit Master title style</a:t>
             </a:r>
             <a:endParaRPr lang="en-US" dirty="0"/>
@@ -5538,7 +5566,7 @@
           <a:p>
             <a:pPr lvl="0"/>
             <a:r>
-              <a:rPr lang="en-US" smtClean="0"/>
+              <a:rPr lang="en-US"/>
               <a:t>Click to edit Master text styles</a:t>
             </a:r>
           </a:p>
@@ -5561,7 +5589,7 @@
           <a:p>
             <a:fld id="{BA7A2FC8-CA20-44C1-8D29-7C6B04CD7F75}" type="datetimeFigureOut">
               <a:rPr lang="en-US" smtClean="0"/>
-              <a:t>11-May-21</a:t>
+              <a:t>5/14/2021</a:t>
             </a:fld>
             <a:endParaRPr lang="en-US"/>
           </a:p>
@@ -5663,7 +5691,7 @@
           <a:lstStyle/>
           <a:p>
             <a:r>
-              <a:rPr lang="en-US" smtClean="0"/>
+              <a:rPr lang="en-US"/>
               <a:t>Click to edit Master title style</a:t>
             </a:r>
             <a:endParaRPr lang="en-US" dirty="0"/>
@@ -5738,7 +5766,7 @@
           <a:p>
             <a:pPr lvl="0"/>
             <a:r>
-              <a:rPr lang="en-US" smtClean="0"/>
+              <a:rPr lang="en-US"/>
               <a:t>Click to edit Master text styles</a:t>
             </a:r>
           </a:p>
@@ -5805,7 +5833,7 @@
           <a:p>
             <a:pPr lvl="0"/>
             <a:r>
-              <a:rPr lang="en-US" smtClean="0"/>
+              <a:rPr lang="en-US"/>
               <a:t>Click to edit Master text styles</a:t>
             </a:r>
           </a:p>
@@ -5879,7 +5907,7 @@
           <a:p>
             <a:pPr lvl="0"/>
             <a:r>
-              <a:rPr lang="en-US" smtClean="0"/>
+              <a:rPr lang="en-US"/>
               <a:t>Click to edit Master text styles</a:t>
             </a:r>
           </a:p>
@@ -5946,7 +5974,7 @@
           <a:p>
             <a:pPr lvl="0"/>
             <a:r>
-              <a:rPr lang="en-US" smtClean="0"/>
+              <a:rPr lang="en-US"/>
               <a:t>Click to edit Master text styles</a:t>
             </a:r>
           </a:p>
@@ -6020,7 +6048,7 @@
           <a:p>
             <a:pPr lvl="0"/>
             <a:r>
-              <a:rPr lang="en-US" smtClean="0"/>
+              <a:rPr lang="en-US"/>
               <a:t>Click to edit Master text styles</a:t>
             </a:r>
           </a:p>
@@ -6087,7 +6115,7 @@
           <a:p>
             <a:pPr lvl="0"/>
             <a:r>
-              <a:rPr lang="en-US" smtClean="0"/>
+              <a:rPr lang="en-US"/>
               <a:t>Click to edit Master text styles</a:t>
             </a:r>
           </a:p>
@@ -6110,7 +6138,7 @@
           <a:p>
             <a:fld id="{BA7A2FC8-CA20-44C1-8D29-7C6B04CD7F75}" type="datetimeFigureOut">
               <a:rPr lang="en-US" smtClean="0"/>
-              <a:t>11-May-21</a:t>
+              <a:t>5/14/2021</a:t>
             </a:fld>
             <a:endParaRPr lang="en-US"/>
           </a:p>
@@ -6212,7 +6240,7 @@
           <a:lstStyle/>
           <a:p>
             <a:r>
-              <a:rPr lang="en-US" smtClean="0"/>
+              <a:rPr lang="en-US"/>
               <a:t>Click to edit Master title style</a:t>
             </a:r>
             <a:endParaRPr lang="en-US" dirty="0"/>
@@ -6287,7 +6315,7 @@
           <a:p>
             <a:pPr lvl="0"/>
             <a:r>
-              <a:rPr lang="en-US" smtClean="0"/>
+              <a:rPr lang="en-US"/>
               <a:t>Click to edit Master text styles</a:t>
             </a:r>
           </a:p>
@@ -6344,7 +6372,7 @@
               <a:buNone/>
             </a:pPr>
             <a:r>
-              <a:rPr lang="en-US" smtClean="0"/>
+              <a:rPr lang="en-US"/>
               <a:t>Click icon to add picture</a:t>
             </a:r>
             <a:endParaRPr lang="en-US" dirty="0"/>
@@ -6412,7 +6440,7 @@
           <a:p>
             <a:pPr lvl="0"/>
             <a:r>
-              <a:rPr lang="en-US" smtClean="0"/>
+              <a:rPr lang="en-US"/>
               <a:t>Click to edit Master text styles</a:t>
             </a:r>
           </a:p>
@@ -6486,7 +6514,7 @@
           <a:p>
             <a:pPr lvl="0"/>
             <a:r>
-              <a:rPr lang="en-US" smtClean="0"/>
+              <a:rPr lang="en-US"/>
               <a:t>Click to edit Master text styles</a:t>
             </a:r>
           </a:p>
@@ -6543,7 +6571,7 @@
               <a:buNone/>
             </a:pPr>
             <a:r>
-              <a:rPr lang="en-US" smtClean="0"/>
+              <a:rPr lang="en-US"/>
               <a:t>Click icon to add picture</a:t>
             </a:r>
             <a:endParaRPr lang="en-US" dirty="0"/>
@@ -6611,7 +6639,7 @@
           <a:p>
             <a:pPr lvl="0"/>
             <a:r>
-              <a:rPr lang="en-US" smtClean="0"/>
+              <a:rPr lang="en-US"/>
               <a:t>Click to edit Master text styles</a:t>
             </a:r>
           </a:p>
@@ -6685,7 +6713,7 @@
           <a:p>
             <a:pPr lvl="0"/>
             <a:r>
-              <a:rPr lang="en-US" smtClean="0"/>
+              <a:rPr lang="en-US"/>
               <a:t>Click to edit Master text styles</a:t>
             </a:r>
           </a:p>
@@ -6742,7 +6770,7 @@
               <a:buNone/>
             </a:pPr>
             <a:r>
-              <a:rPr lang="en-US" smtClean="0"/>
+              <a:rPr lang="en-US"/>
               <a:t>Click icon to add picture</a:t>
             </a:r>
             <a:endParaRPr lang="en-US" dirty="0"/>
@@ -6810,7 +6838,7 @@
           <a:p>
             <a:pPr lvl="0"/>
             <a:r>
-              <a:rPr lang="en-US" smtClean="0"/>
+              <a:rPr lang="en-US"/>
               <a:t>Click to edit Master text styles</a:t>
             </a:r>
           </a:p>
@@ -6833,7 +6861,7 @@
           <a:p>
             <a:fld id="{BA7A2FC8-CA20-44C1-8D29-7C6B04CD7F75}" type="datetimeFigureOut">
               <a:rPr lang="en-US" smtClean="0"/>
-              <a:t>11-May-21</a:t>
+              <a:t>5/14/2021</a:t>
             </a:fld>
             <a:endParaRPr lang="en-US"/>
           </a:p>
@@ -6930,7 +6958,7 @@
           <a:lstStyle/>
           <a:p>
             <a:r>
-              <a:rPr lang="en-US" smtClean="0"/>
+              <a:rPr lang="en-US"/>
               <a:t>Click to edit Master title style</a:t>
             </a:r>
             <a:endParaRPr lang="en-US" dirty="0"/>
@@ -6954,35 +6982,35 @@
           <a:p>
             <a:pPr lvl="0"/>
             <a:r>
-              <a:rPr lang="en-US" smtClean="0"/>
+              <a:rPr lang="en-US"/>
               <a:t>Click to edit Master text styles</a:t>
             </a:r>
           </a:p>
           <a:p>
             <a:pPr lvl="1"/>
             <a:r>
-              <a:rPr lang="en-US" smtClean="0"/>
+              <a:rPr lang="en-US"/>
               <a:t>Second level</a:t>
             </a:r>
           </a:p>
           <a:p>
             <a:pPr lvl="2"/>
             <a:r>
-              <a:rPr lang="en-US" smtClean="0"/>
+              <a:rPr lang="en-US"/>
               <a:t>Third level</a:t>
             </a:r>
           </a:p>
           <a:p>
             <a:pPr lvl="3"/>
             <a:r>
-              <a:rPr lang="en-US" smtClean="0"/>
+              <a:rPr lang="en-US"/>
               <a:t>Fourth level</a:t>
             </a:r>
           </a:p>
           <a:p>
             <a:pPr lvl="4"/>
             <a:r>
-              <a:rPr lang="en-US" smtClean="0"/>
+              <a:rPr lang="en-US"/>
               <a:t>Fifth level</a:t>
             </a:r>
             <a:endParaRPr lang="en-US" dirty="0"/>
@@ -7006,7 +7034,7 @@
           <a:p>
             <a:fld id="{BA7A2FC8-CA20-44C1-8D29-7C6B04CD7F75}" type="datetimeFigureOut">
               <a:rPr lang="en-US" smtClean="0"/>
-              <a:t>11-May-21</a:t>
+              <a:t>5/14/2021</a:t>
             </a:fld>
             <a:endParaRPr lang="en-US"/>
           </a:p>
@@ -7108,7 +7136,7 @@
           <a:lstStyle/>
           <a:p>
             <a:r>
-              <a:rPr lang="en-US" smtClean="0"/>
+              <a:rPr lang="en-US"/>
               <a:t>Click to edit Master title style</a:t>
             </a:r>
             <a:endParaRPr lang="en-US" dirty="0"/>
@@ -7137,35 +7165,35 @@
           <a:p>
             <a:pPr lvl="0"/>
             <a:r>
-              <a:rPr lang="en-US" smtClean="0"/>
+              <a:rPr lang="en-US"/>
               <a:t>Click to edit Master text styles</a:t>
             </a:r>
           </a:p>
           <a:p>
             <a:pPr lvl="1"/>
             <a:r>
-              <a:rPr lang="en-US" smtClean="0"/>
+              <a:rPr lang="en-US"/>
               <a:t>Second level</a:t>
             </a:r>
           </a:p>
           <a:p>
             <a:pPr lvl="2"/>
             <a:r>
-              <a:rPr lang="en-US" smtClean="0"/>
+              <a:rPr lang="en-US"/>
               <a:t>Third level</a:t>
             </a:r>
           </a:p>
           <a:p>
             <a:pPr lvl="3"/>
             <a:r>
-              <a:rPr lang="en-US" smtClean="0"/>
+              <a:rPr lang="en-US"/>
               <a:t>Fourth level</a:t>
             </a:r>
           </a:p>
           <a:p>
             <a:pPr lvl="4"/>
             <a:r>
-              <a:rPr lang="en-US" smtClean="0"/>
+              <a:rPr lang="en-US"/>
               <a:t>Fifth level</a:t>
             </a:r>
             <a:endParaRPr lang="en-US" dirty="0"/>
@@ -7189,7 +7217,7 @@
           <a:p>
             <a:fld id="{BA7A2FC8-CA20-44C1-8D29-7C6B04CD7F75}" type="datetimeFigureOut">
               <a:rPr lang="en-US" smtClean="0"/>
-              <a:t>11-May-21</a:t>
+              <a:t>5/14/2021</a:t>
             </a:fld>
             <a:endParaRPr lang="en-US"/>
           </a:p>
@@ -7286,7 +7314,7 @@
           <a:lstStyle/>
           <a:p>
             <a:r>
-              <a:rPr lang="en-US" smtClean="0"/>
+              <a:rPr lang="en-US"/>
               <a:t>Click to edit Master title style</a:t>
             </a:r>
             <a:endParaRPr lang="en-US" dirty="0"/>
@@ -7310,35 +7338,35 @@
           <a:p>
             <a:pPr lvl="0"/>
             <a:r>
-              <a:rPr lang="en-US" smtClean="0"/>
+              <a:rPr lang="en-US"/>
               <a:t>Click to edit Master text styles</a:t>
             </a:r>
           </a:p>
           <a:p>
             <a:pPr lvl="1"/>
             <a:r>
-              <a:rPr lang="en-US" smtClean="0"/>
+              <a:rPr lang="en-US"/>
               <a:t>Second level</a:t>
             </a:r>
           </a:p>
           <a:p>
             <a:pPr lvl="2"/>
             <a:r>
-              <a:rPr lang="en-US" smtClean="0"/>
+              <a:rPr lang="en-US"/>
               <a:t>Third level</a:t>
             </a:r>
           </a:p>
           <a:p>
             <a:pPr lvl="3"/>
             <a:r>
-              <a:rPr lang="en-US" smtClean="0"/>
+              <a:rPr lang="en-US"/>
               <a:t>Fourth level</a:t>
             </a:r>
           </a:p>
           <a:p>
             <a:pPr lvl="4"/>
             <a:r>
-              <a:rPr lang="en-US" smtClean="0"/>
+              <a:rPr lang="en-US"/>
               <a:t>Fifth level</a:t>
             </a:r>
             <a:endParaRPr lang="en-US" dirty="0"/>
@@ -7362,7 +7390,7 @@
           <a:p>
             <a:fld id="{BA7A2FC8-CA20-44C1-8D29-7C6B04CD7F75}" type="datetimeFigureOut">
               <a:rPr lang="en-US" smtClean="0"/>
-              <a:t>11-May-21</a:t>
+              <a:t>5/14/2021</a:t>
             </a:fld>
             <a:endParaRPr lang="en-US"/>
           </a:p>
@@ -7470,7 +7498,7 @@
           </a:lstStyle>
           <a:p>
             <a:r>
-              <a:rPr lang="en-US" smtClean="0"/>
+              <a:rPr lang="en-US"/>
               <a:t>Click to edit Master title style</a:t>
             </a:r>
             <a:endParaRPr lang="en-US" dirty="0"/>
@@ -7592,7 +7620,7 @@
           <a:p>
             <a:pPr lvl="0"/>
             <a:r>
-              <a:rPr lang="en-US" smtClean="0"/>
+              <a:rPr lang="en-US"/>
               <a:t>Click to edit Master text styles</a:t>
             </a:r>
           </a:p>
@@ -7615,7 +7643,7 @@
           <a:p>
             <a:fld id="{BA7A2FC8-CA20-44C1-8D29-7C6B04CD7F75}" type="datetimeFigureOut">
               <a:rPr lang="en-US" smtClean="0"/>
-              <a:t>11-May-21</a:t>
+              <a:t>5/14/2021</a:t>
             </a:fld>
             <a:endParaRPr lang="en-US"/>
           </a:p>
@@ -7712,7 +7740,7 @@
           <a:lstStyle/>
           <a:p>
             <a:r>
-              <a:rPr lang="en-US" smtClean="0"/>
+              <a:rPr lang="en-US"/>
               <a:t>Click to edit Master title style</a:t>
             </a:r>
             <a:endParaRPr lang="en-US" dirty="0"/>
@@ -7741,35 +7769,35 @@
           <a:p>
             <a:pPr lvl="0"/>
             <a:r>
-              <a:rPr lang="en-US" smtClean="0"/>
+              <a:rPr lang="en-US"/>
               <a:t>Click to edit Master text styles</a:t>
             </a:r>
           </a:p>
           <a:p>
             <a:pPr lvl="1"/>
             <a:r>
-              <a:rPr lang="en-US" smtClean="0"/>
+              <a:rPr lang="en-US"/>
               <a:t>Second level</a:t>
             </a:r>
           </a:p>
           <a:p>
             <a:pPr lvl="2"/>
             <a:r>
-              <a:rPr lang="en-US" smtClean="0"/>
+              <a:rPr lang="en-US"/>
               <a:t>Third level</a:t>
             </a:r>
           </a:p>
           <a:p>
             <a:pPr lvl="3"/>
             <a:r>
-              <a:rPr lang="en-US" smtClean="0"/>
+              <a:rPr lang="en-US"/>
               <a:t>Fourth level</a:t>
             </a:r>
           </a:p>
           <a:p>
             <a:pPr lvl="4"/>
             <a:r>
-              <a:rPr lang="en-US" smtClean="0"/>
+              <a:rPr lang="en-US"/>
               <a:t>Fifth level</a:t>
             </a:r>
             <a:endParaRPr lang="en-US" dirty="0"/>
@@ -7798,35 +7826,35 @@
           <a:p>
             <a:pPr lvl="0"/>
             <a:r>
-              <a:rPr lang="en-US" smtClean="0"/>
+              <a:rPr lang="en-US"/>
               <a:t>Click to edit Master text styles</a:t>
             </a:r>
           </a:p>
           <a:p>
             <a:pPr lvl="1"/>
             <a:r>
-              <a:rPr lang="en-US" smtClean="0"/>
+              <a:rPr lang="en-US"/>
               <a:t>Second level</a:t>
             </a:r>
           </a:p>
           <a:p>
             <a:pPr lvl="2"/>
             <a:r>
-              <a:rPr lang="en-US" smtClean="0"/>
+              <a:rPr lang="en-US"/>
               <a:t>Third level</a:t>
             </a:r>
           </a:p>
           <a:p>
             <a:pPr lvl="3"/>
             <a:r>
-              <a:rPr lang="en-US" smtClean="0"/>
+              <a:rPr lang="en-US"/>
               <a:t>Fourth level</a:t>
             </a:r>
           </a:p>
           <a:p>
             <a:pPr lvl="4"/>
             <a:r>
-              <a:rPr lang="en-US" smtClean="0"/>
+              <a:rPr lang="en-US"/>
               <a:t>Fifth level</a:t>
             </a:r>
             <a:endParaRPr lang="en-US" dirty="0"/>
@@ -7850,7 +7878,7 @@
           <a:p>
             <a:fld id="{BA7A2FC8-CA20-44C1-8D29-7C6B04CD7F75}" type="datetimeFigureOut">
               <a:rPr lang="en-US" smtClean="0"/>
-              <a:t>11-May-21</a:t>
+              <a:t>5/14/2021</a:t>
             </a:fld>
             <a:endParaRPr lang="en-US"/>
           </a:p>
@@ -7952,7 +7980,7 @@
           <a:lstStyle/>
           <a:p>
             <a:r>
-              <a:rPr lang="en-US" smtClean="0"/>
+              <a:rPr lang="en-US"/>
               <a:t>Click to edit Master title style</a:t>
             </a:r>
             <a:endParaRPr lang="en-US" dirty="0"/>
@@ -8025,7 +8053,7 @@
           <a:p>
             <a:pPr lvl="0"/>
             <a:r>
-              <a:rPr lang="en-US" smtClean="0"/>
+              <a:rPr lang="en-US"/>
               <a:t>Click to edit Master text styles</a:t>
             </a:r>
           </a:p>
@@ -8053,35 +8081,35 @@
           <a:p>
             <a:pPr lvl="0"/>
             <a:r>
-              <a:rPr lang="en-US" smtClean="0"/>
+              <a:rPr lang="en-US"/>
               <a:t>Click to edit Master text styles</a:t>
             </a:r>
           </a:p>
           <a:p>
             <a:pPr lvl="1"/>
             <a:r>
-              <a:rPr lang="en-US" smtClean="0"/>
+              <a:rPr lang="en-US"/>
               <a:t>Second level</a:t>
             </a:r>
           </a:p>
           <a:p>
             <a:pPr lvl="2"/>
             <a:r>
-              <a:rPr lang="en-US" smtClean="0"/>
+              <a:rPr lang="en-US"/>
               <a:t>Third level</a:t>
             </a:r>
           </a:p>
           <a:p>
             <a:pPr lvl="3"/>
             <a:r>
-              <a:rPr lang="en-US" smtClean="0"/>
+              <a:rPr lang="en-US"/>
               <a:t>Fourth level</a:t>
             </a:r>
           </a:p>
           <a:p>
             <a:pPr lvl="4"/>
             <a:r>
-              <a:rPr lang="en-US" smtClean="0"/>
+              <a:rPr lang="en-US"/>
               <a:t>Fifth level</a:t>
             </a:r>
             <a:endParaRPr lang="en-US" dirty="0"/>
@@ -8154,7 +8182,7 @@
           <a:p>
             <a:pPr lvl="0"/>
             <a:r>
-              <a:rPr lang="en-US" smtClean="0"/>
+              <a:rPr lang="en-US"/>
               <a:t>Click to edit Master text styles</a:t>
             </a:r>
           </a:p>
@@ -8182,35 +8210,35 @@
           <a:p>
             <a:pPr lvl="0"/>
             <a:r>
-              <a:rPr lang="en-US" smtClean="0"/>
+              <a:rPr lang="en-US"/>
               <a:t>Click to edit Master text styles</a:t>
             </a:r>
           </a:p>
           <a:p>
             <a:pPr lvl="1"/>
             <a:r>
-              <a:rPr lang="en-US" smtClean="0"/>
+              <a:rPr lang="en-US"/>
               <a:t>Second level</a:t>
             </a:r>
           </a:p>
           <a:p>
             <a:pPr lvl="2"/>
             <a:r>
-              <a:rPr lang="en-US" smtClean="0"/>
+              <a:rPr lang="en-US"/>
               <a:t>Third level</a:t>
             </a:r>
           </a:p>
           <a:p>
             <a:pPr lvl="3"/>
             <a:r>
-              <a:rPr lang="en-US" smtClean="0"/>
+              <a:rPr lang="en-US"/>
               <a:t>Fourth level</a:t>
             </a:r>
           </a:p>
           <a:p>
             <a:pPr lvl="4"/>
             <a:r>
-              <a:rPr lang="en-US" smtClean="0"/>
+              <a:rPr lang="en-US"/>
               <a:t>Fifth level</a:t>
             </a:r>
             <a:endParaRPr lang="en-US" dirty="0"/>
@@ -8234,7 +8262,7 @@
           <a:p>
             <a:fld id="{BA7A2FC8-CA20-44C1-8D29-7C6B04CD7F75}" type="datetimeFigureOut">
               <a:rPr lang="en-US" smtClean="0"/>
-              <a:t>11-May-21</a:t>
+              <a:t>5/14/2021</a:t>
             </a:fld>
             <a:endParaRPr lang="en-US"/>
           </a:p>
@@ -8331,7 +8359,7 @@
           <a:lstStyle/>
           <a:p>
             <a:r>
-              <a:rPr lang="en-US" smtClean="0"/>
+              <a:rPr lang="en-US"/>
               <a:t>Click to edit Master title style</a:t>
             </a:r>
             <a:endParaRPr lang="en-US" dirty="0"/>
@@ -8355,7 +8383,7 @@
           <a:p>
             <a:fld id="{BA7A2FC8-CA20-44C1-8D29-7C6B04CD7F75}" type="datetimeFigureOut">
               <a:rPr lang="en-US" smtClean="0"/>
-              <a:t>11-May-21</a:t>
+              <a:t>5/14/2021</a:t>
             </a:fld>
             <a:endParaRPr lang="en-US"/>
           </a:p>
@@ -8453,7 +8481,7 @@
           <a:p>
             <a:fld id="{BA7A2FC8-CA20-44C1-8D29-7C6B04CD7F75}" type="datetimeFigureOut">
               <a:rPr lang="en-US" smtClean="0"/>
-              <a:t>11-May-21</a:t>
+              <a:t>5/14/2021</a:t>
             </a:fld>
             <a:endParaRPr lang="en-US"/>
           </a:p>
@@ -8559,7 +8587,7 @@
           </a:lstStyle>
           <a:p>
             <a:r>
-              <a:rPr lang="en-US" smtClean="0"/>
+              <a:rPr lang="en-US"/>
               <a:t>Click to edit Master title style</a:t>
             </a:r>
             <a:endParaRPr lang="en-US" dirty="0"/>
@@ -8588,35 +8616,35 @@
           <a:p>
             <a:pPr lvl="0"/>
             <a:r>
-              <a:rPr lang="en-US" smtClean="0"/>
+              <a:rPr lang="en-US"/>
               <a:t>Click to edit Master text styles</a:t>
             </a:r>
           </a:p>
           <a:p>
             <a:pPr lvl="1"/>
             <a:r>
-              <a:rPr lang="en-US" smtClean="0"/>
+              <a:rPr lang="en-US"/>
               <a:t>Second level</a:t>
             </a:r>
           </a:p>
           <a:p>
             <a:pPr lvl="2"/>
             <a:r>
-              <a:rPr lang="en-US" smtClean="0"/>
+              <a:rPr lang="en-US"/>
               <a:t>Third level</a:t>
             </a:r>
           </a:p>
           <a:p>
             <a:pPr lvl="3"/>
             <a:r>
-              <a:rPr lang="en-US" smtClean="0"/>
+              <a:rPr lang="en-US"/>
               <a:t>Fourth level</a:t>
             </a:r>
           </a:p>
           <a:p>
             <a:pPr lvl="4"/>
             <a:r>
-              <a:rPr lang="en-US" smtClean="0"/>
+              <a:rPr lang="en-US"/>
               <a:t>Fifth level</a:t>
             </a:r>
             <a:endParaRPr lang="en-US" dirty="0"/>
@@ -8682,7 +8710,7 @@
           <a:p>
             <a:pPr lvl="0"/>
             <a:r>
-              <a:rPr lang="en-US" smtClean="0"/>
+              <a:rPr lang="en-US"/>
               <a:t>Click to edit Master text styles</a:t>
             </a:r>
           </a:p>
@@ -8705,7 +8733,7 @@
           <a:p>
             <a:fld id="{BA7A2FC8-CA20-44C1-8D29-7C6B04CD7F75}" type="datetimeFigureOut">
               <a:rPr lang="en-US" smtClean="0"/>
-              <a:t>11-May-21</a:t>
+              <a:t>5/14/2021</a:t>
             </a:fld>
             <a:endParaRPr lang="en-US"/>
           </a:p>
@@ -8811,7 +8839,7 @@
           </a:lstStyle>
           <a:p>
             <a:r>
-              <a:rPr lang="en-US" smtClean="0"/>
+              <a:rPr lang="en-US"/>
               <a:t>Click to edit Master title style</a:t>
             </a:r>
             <a:endParaRPr lang="en-US" dirty="0"/>
@@ -8899,7 +8927,7 @@
           </a:lstStyle>
           <a:p>
             <a:r>
-              <a:rPr lang="en-US" smtClean="0"/>
+              <a:rPr lang="en-US"/>
               <a:t>Click icon to add picture</a:t>
             </a:r>
             <a:endParaRPr lang="en-US" dirty="0"/>
@@ -8965,7 +8993,7 @@
           <a:p>
             <a:pPr lvl="0"/>
             <a:r>
-              <a:rPr lang="en-US" smtClean="0"/>
+              <a:rPr lang="en-US"/>
               <a:t>Click to edit Master text styles</a:t>
             </a:r>
           </a:p>
@@ -8988,7 +9016,7 @@
           <a:p>
             <a:fld id="{BA7A2FC8-CA20-44C1-8D29-7C6B04CD7F75}" type="datetimeFigureOut">
               <a:rPr lang="en-US" smtClean="0"/>
-              <a:t>11-May-21</a:t>
+              <a:t>5/14/2021</a:t>
             </a:fld>
             <a:endParaRPr lang="en-US"/>
           </a:p>
@@ -11998,35 +12026,35 @@
           <a:p>
             <a:pPr lvl="0"/>
             <a:r>
-              <a:rPr lang="en-US" smtClean="0"/>
+              <a:rPr lang="en-US"/>
               <a:t>Click to edit Master text styles</a:t>
             </a:r>
           </a:p>
           <a:p>
             <a:pPr lvl="1"/>
             <a:r>
-              <a:rPr lang="en-US" smtClean="0"/>
+              <a:rPr lang="en-US"/>
               <a:t>Second level</a:t>
             </a:r>
           </a:p>
           <a:p>
             <a:pPr lvl="2"/>
             <a:r>
-              <a:rPr lang="en-US" smtClean="0"/>
+              <a:rPr lang="en-US"/>
               <a:t>Third level</a:t>
             </a:r>
           </a:p>
           <a:p>
             <a:pPr lvl="3"/>
             <a:r>
-              <a:rPr lang="en-US" smtClean="0"/>
+              <a:rPr lang="en-US"/>
               <a:t>Fourth level</a:t>
             </a:r>
           </a:p>
           <a:p>
             <a:pPr lvl="4"/>
             <a:r>
-              <a:rPr lang="en-US" smtClean="0"/>
+              <a:rPr lang="en-US"/>
               <a:t>Fifth level</a:t>
             </a:r>
             <a:endParaRPr lang="en-US" dirty="0"/>
@@ -12068,7 +12096,7 @@
           <a:p>
             <a:fld id="{BA7A2FC8-CA20-44C1-8D29-7C6B04CD7F75}" type="datetimeFigureOut">
               <a:rPr lang="en-US" smtClean="0"/>
-              <a:t>11-May-21</a:t>
+              <a:t>5/14/2021</a:t>
             </a:fld>
             <a:endParaRPr lang="en-US"/>
           </a:p>
@@ -12513,10 +12541,9 @@
           <a:p>
             <a:pPr algn="ctr"/>
             <a:r>
-              <a:rPr lang="en-US" dirty="0" smtClean="0"/>
+              <a:rPr lang="en-US" dirty="0"/>
               <a:t>Mini Project</a:t>
             </a:r>
-            <a:endParaRPr lang="en-US" dirty="0"/>
           </a:p>
         </p:txBody>
       </p:sp>
@@ -12544,10 +12571,9 @@
           <a:p>
             <a:pPr algn="ctr"/>
             <a:r>
-              <a:rPr lang="en-US" sz="4000" dirty="0" smtClean="0"/>
+              <a:rPr lang="en-US" sz="4000" dirty="0"/>
               <a:t>Automated soldering machine</a:t>
             </a:r>
-            <a:endParaRPr lang="en-US" sz="4000" dirty="0"/>
           </a:p>
         </p:txBody>
       </p:sp>
@@ -12559,8 +12585,8 @@
         </p:nvSpPr>
         <p:spPr>
           <a:xfrm>
-            <a:off x="2362200" y="4038600"/>
-            <a:ext cx="5410200" cy="2031325"/>
+            <a:off x="2590800" y="3771117"/>
+            <a:ext cx="4800600" cy="2862322"/>
           </a:xfrm>
           <a:prstGeom prst="rect">
             <a:avLst/>
@@ -12574,60 +12600,53 @@
           <a:lstStyle/>
           <a:p>
             <a:r>
-              <a:rPr lang="en-US" dirty="0" smtClean="0"/>
-              <a:t>MENTOR : </a:t>
+              <a:rPr lang="en-US" dirty="0"/>
+              <a:t>MENTOR :  </a:t>
             </a:r>
+          </a:p>
+          <a:p>
+            <a:endParaRPr lang="en-US" dirty="0"/>
           </a:p>
           <a:p>
             <a:r>
               <a:rPr lang="en-US" dirty="0"/>
-              <a:t>	</a:t>
+              <a:t>	ASHIQ RAHMAN ANWAR BATCHA</a:t>
             </a:r>
+          </a:p>
+          <a:p>
+            <a:endParaRPr lang="en-US" dirty="0"/>
+          </a:p>
+          <a:p>
             <a:r>
-              <a:rPr lang="en-US" dirty="0" smtClean="0"/>
-              <a:t>ASHIQ RAHMAN ANWAR BATCHA</a:t>
-            </a:r>
-          </a:p>
-          <a:p>
-            <a:r>
-              <a:rPr lang="en-US" dirty="0" smtClean="0"/>
+              <a:rPr lang="en-US" dirty="0"/>
               <a:t>MEMBERS:</a:t>
             </a:r>
           </a:p>
           <a:p>
+            <a:endParaRPr lang="en-US" dirty="0"/>
+          </a:p>
+          <a:p>
             <a:r>
-              <a:rPr lang="en-US" dirty="0" smtClean="0"/>
+              <a:rPr lang="en-US" dirty="0"/>
               <a:t>	VASANTH KUMAR V</a:t>
             </a:r>
           </a:p>
           <a:p>
             <a:r>
               <a:rPr lang="en-US" dirty="0"/>
-              <a:t>	</a:t>
-            </a:r>
-            <a:r>
-              <a:rPr lang="en-US" dirty="0" smtClean="0"/>
-              <a:t>GIRINATH R</a:t>
+              <a:t>	GIRINATH R</a:t>
             </a:r>
           </a:p>
           <a:p>
             <a:r>
               <a:rPr lang="en-US" dirty="0"/>
-              <a:t>	</a:t>
-            </a:r>
-            <a:r>
-              <a:rPr lang="en-US" dirty="0" smtClean="0"/>
-              <a:t>KASI VISWANATHAN S</a:t>
+              <a:t>	KASI VISWANATHAN S</a:t>
             </a:r>
           </a:p>
           <a:p>
             <a:r>
               <a:rPr lang="en-US" dirty="0"/>
-              <a:t>	</a:t>
-            </a:r>
-            <a:r>
-              <a:rPr lang="en-US" dirty="0" smtClean="0"/>
-              <a:t>KARTHIKEYAN R</a:t>
+              <a:t>	KARTHIKEYAN N</a:t>
             </a:r>
           </a:p>
         </p:txBody>
@@ -12681,10 +12700,9 @@
           <a:lstStyle/>
           <a:p>
             <a:r>
-              <a:rPr lang="en-US" dirty="0" smtClean="0"/>
+              <a:rPr lang="en-US" dirty="0"/>
               <a:t>Agenda</a:t>
             </a:r>
-            <a:endParaRPr lang="en-US" dirty="0"/>
           </a:p>
         </p:txBody>
       </p:sp>
@@ -12700,7 +12718,7 @@
         </p:nvSpPr>
         <p:spPr>
           <a:xfrm>
-            <a:off x="457200" y="1295400"/>
+            <a:off x="685800" y="1905000"/>
             <a:ext cx="8229600" cy="5105400"/>
           </a:xfrm>
         </p:spPr>
@@ -12709,63 +12727,55 @@
           <a:lstStyle/>
           <a:p>
             <a:r>
-              <a:rPr lang="en-US" dirty="0" smtClean="0"/>
-              <a:t>Abstract – </a:t>
+              <a:rPr lang="en-US" dirty="0"/>
+              <a:t>Abstract – Karthikeyan N</a:t>
             </a:r>
+          </a:p>
+          <a:p>
             <a:r>
-              <a:rPr lang="en-US" dirty="0" err="1" smtClean="0"/>
-              <a:t>Karthikeyan</a:t>
-            </a:r>
-            <a:r>
-              <a:rPr lang="en-US" dirty="0" smtClean="0"/>
-              <a:t> K</a:t>
-            </a:r>
-          </a:p>
-          <a:p>
-            <a:r>
-              <a:rPr lang="en-US" dirty="0" smtClean="0"/>
+              <a:rPr lang="en-US" dirty="0"/>
               <a:t>Flow of work – </a:t>
             </a:r>
             <a:r>
-              <a:rPr lang="en-US" dirty="0" err="1" smtClean="0"/>
+              <a:rPr lang="en-US" dirty="0" err="1"/>
               <a:t>Vasanth</a:t>
             </a:r>
             <a:r>
-              <a:rPr lang="en-US" dirty="0" smtClean="0"/>
+              <a:rPr lang="en-US" dirty="0"/>
               <a:t> Kumar</a:t>
             </a:r>
           </a:p>
           <a:p>
             <a:r>
-              <a:rPr lang="en-US" dirty="0" smtClean="0"/>
+              <a:rPr lang="en-US" dirty="0"/>
               <a:t>GUI application – Girinath R</a:t>
             </a:r>
           </a:p>
           <a:p>
             <a:r>
-              <a:rPr lang="en-US" dirty="0" smtClean="0"/>
+              <a:rPr lang="en-US" dirty="0"/>
               <a:t>Working – </a:t>
             </a:r>
             <a:r>
-              <a:rPr lang="en-US" dirty="0" err="1" smtClean="0"/>
+              <a:rPr lang="en-US" dirty="0" err="1"/>
               <a:t>Kasi</a:t>
             </a:r>
-            <a:endParaRPr lang="en-US" dirty="0" smtClean="0"/>
+            <a:endParaRPr lang="en-US" dirty="0"/>
           </a:p>
           <a:p>
             <a:r>
-              <a:rPr lang="en-US" dirty="0" smtClean="0"/>
-              <a:t>Cases it will pass and fail – </a:t>
+              <a:rPr lang="en-US" dirty="0"/>
+              <a:t>Cases it will pass and fail –  Karthikeyan N</a:t>
             </a:r>
           </a:p>
           <a:p>
             <a:r>
-              <a:rPr lang="en-US" dirty="0" smtClean="0"/>
+              <a:rPr lang="en-US" dirty="0"/>
               <a:t>Scope for Future Work – Girinath R</a:t>
             </a:r>
           </a:p>
           <a:p>
-            <a:endParaRPr lang="en-US" dirty="0" smtClean="0"/>
+            <a:endParaRPr lang="en-US" dirty="0"/>
           </a:p>
           <a:p>
             <a:endParaRPr lang="en-US" dirty="0"/>
@@ -12810,7 +12820,7 @@
           <p:cNvPr id="2" name="Title 1">
             <a:extLst>
               <a:ext uri="{FF2B5EF4-FFF2-40B4-BE49-F238E27FC236}">
-                <a16:creationId xmlns:a16="http://schemas.microsoft.com/office/drawing/2014/main" xmlns="" id="{3E1FF0FC-4C7D-4762-8E24-D02496D414AA}"/>
+                <a16:creationId xmlns:a16="http://schemas.microsoft.com/office/drawing/2014/main" id="{3E1FF0FC-4C7D-4762-8E24-D02496D414AA}"/>
               </a:ext>
             </a:extLst>
           </p:cNvPr>
@@ -12844,7 +12854,7 @@
           <p:cNvPr id="3" name="Content Placeholder 2">
             <a:extLst>
               <a:ext uri="{FF2B5EF4-FFF2-40B4-BE49-F238E27FC236}">
-                <a16:creationId xmlns:a16="http://schemas.microsoft.com/office/drawing/2014/main" xmlns="" id="{0C421272-31B0-440B-B615-6974F71BA339}"/>
+                <a16:creationId xmlns:a16="http://schemas.microsoft.com/office/drawing/2014/main" id="{0C421272-31B0-440B-B615-6974F71BA339}"/>
               </a:ext>
             </a:extLst>
           </p:cNvPr>
@@ -12890,7 +12900,7 @@
           <p:cNvPr id="4" name="Slide Number Placeholder 3">
             <a:extLst>
               <a:ext uri="{FF2B5EF4-FFF2-40B4-BE49-F238E27FC236}">
-                <a16:creationId xmlns:a16="http://schemas.microsoft.com/office/drawing/2014/main" xmlns="" id="{688010C3-FE03-4A9C-B048-60C5B3CA2120}"/>
+                <a16:creationId xmlns:a16="http://schemas.microsoft.com/office/drawing/2014/main" id="{688010C3-FE03-4A9C-B048-60C5B3CA2120}"/>
               </a:ext>
             </a:extLst>
           </p:cNvPr>
@@ -12971,10 +12981,9 @@
           <a:p>
             <a:pPr algn="ctr"/>
             <a:r>
-              <a:rPr lang="en-US" dirty="0" smtClean="0"/>
+              <a:rPr lang="en-US" dirty="0"/>
               <a:t>FLOW OF WORK</a:t>
             </a:r>
-            <a:endParaRPr lang="en-US" dirty="0"/>
           </a:p>
         </p:txBody>
       </p:sp>
@@ -13035,7 +13044,7 @@
           <p:cNvPr id="5" name="Oval 4">
             <a:extLst>
               <a:ext uri="{FF2B5EF4-FFF2-40B4-BE49-F238E27FC236}">
-                <a16:creationId xmlns:a16="http://schemas.microsoft.com/office/drawing/2014/main" xmlns="" id="{CF1442ED-87E1-4EB3-8CF9-8A5245A01DA0}"/>
+                <a16:creationId xmlns:a16="http://schemas.microsoft.com/office/drawing/2014/main" id="{CF1442ED-87E1-4EB3-8CF9-8A5245A01DA0}"/>
               </a:ext>
             </a:extLst>
           </p:cNvPr>
@@ -13043,9 +13052,9 @@
           <p:nvPr/>
         </p:nvSpPr>
         <p:spPr>
-          <a:xfrm>
-            <a:off x="388575" y="346364"/>
-            <a:ext cx="1744234" cy="1177636"/>
+          <a:xfrm rot="18263183">
+            <a:off x="130353" y="1338754"/>
+            <a:ext cx="1969517" cy="778442"/>
           </a:xfrm>
           <a:prstGeom prst="ellipse">
             <a:avLst/>
@@ -13084,20 +13093,20 @@
           <a:lstStyle/>
           <a:p>
             <a:pPr algn="ctr"/>
+            <a:endParaRPr lang="en-IN" dirty="0"/>
+          </a:p>
+          <a:p>
+            <a:pPr algn="ctr"/>
             <a:r>
-              <a:rPr lang="en-IN" dirty="0" smtClean="0"/>
+              <a:rPr lang="en-IN" dirty="0"/>
               <a:t>Design</a:t>
             </a:r>
           </a:p>
           <a:p>
             <a:pPr algn="ctr"/>
             <a:r>
-              <a:rPr lang="en-IN" dirty="0" smtClean="0"/>
-              <a:t>PCB </a:t>
-            </a:r>
-            <a:r>
               <a:rPr lang="en-IN" dirty="0"/>
-              <a:t>file</a:t>
+              <a:t>PCB file</a:t>
             </a:r>
           </a:p>
           <a:p>
@@ -13111,7 +13120,7 @@
           <p:cNvPr id="13" name="Oval 12">
             <a:extLst>
               <a:ext uri="{FF2B5EF4-FFF2-40B4-BE49-F238E27FC236}">
-                <a16:creationId xmlns:a16="http://schemas.microsoft.com/office/drawing/2014/main" xmlns="" id="{92EDAE53-09A7-4338-AFE7-25A2A83E0565}"/>
+                <a16:creationId xmlns:a16="http://schemas.microsoft.com/office/drawing/2014/main" id="{92EDAE53-09A7-4338-AFE7-25A2A83E0565}"/>
               </a:ext>
             </a:extLst>
           </p:cNvPr>
@@ -13119,9 +13128,9 @@
           <p:nvPr/>
         </p:nvSpPr>
         <p:spPr>
-          <a:xfrm>
-            <a:off x="2460842" y="182563"/>
-            <a:ext cx="2053356" cy="1341437"/>
+          <a:xfrm rot="20858619">
+            <a:off x="2001755" y="167630"/>
+            <a:ext cx="1969517" cy="895915"/>
           </a:xfrm>
           <a:prstGeom prst="ellipse">
             <a:avLst/>
@@ -13160,6 +13169,9 @@
           <a:lstStyle/>
           <a:p>
             <a:pPr algn="ctr"/>
+            <a:endParaRPr lang="en-IN" dirty="0"/>
+          </a:p>
+          <a:p>
             <a:r>
               <a:rPr lang="en-IN" dirty="0"/>
               <a:t>Generating CSV file</a:t>
@@ -13176,7 +13188,7 @@
           <p:cNvPr id="14" name="Oval 13">
             <a:extLst>
               <a:ext uri="{FF2B5EF4-FFF2-40B4-BE49-F238E27FC236}">
-                <a16:creationId xmlns:a16="http://schemas.microsoft.com/office/drawing/2014/main" xmlns="" id="{3AB6F5BB-DB76-4E97-9BE1-4A4B622BD0CD}"/>
+                <a16:creationId xmlns:a16="http://schemas.microsoft.com/office/drawing/2014/main" id="{3AB6F5BB-DB76-4E97-9BE1-4A4B622BD0CD}"/>
               </a:ext>
             </a:extLst>
           </p:cNvPr>
@@ -13184,9 +13196,9 @@
           <p:nvPr/>
         </p:nvSpPr>
         <p:spPr>
-          <a:xfrm>
-            <a:off x="1106137" y="4991936"/>
-            <a:ext cx="2264477" cy="1605989"/>
+          <a:xfrm rot="1274878">
+            <a:off x="1139642" y="5237228"/>
+            <a:ext cx="2508776" cy="1289981"/>
           </a:xfrm>
           <a:prstGeom prst="ellipse">
             <a:avLst/>
@@ -13227,15 +13239,7 @@
             <a:pPr algn="ctr"/>
             <a:r>
               <a:rPr lang="en-IN" dirty="0"/>
-              <a:t>ESP32 receives the command </a:t>
-            </a:r>
-            <a:r>
-              <a:rPr lang="en-IN" dirty="0" smtClean="0"/>
-              <a:t>and </a:t>
-            </a:r>
-            <a:r>
-              <a:rPr lang="en-IN" dirty="0"/>
-              <a:t>controls the actuators</a:t>
+              <a:t>ESP32 receives the command and controls the actuators</a:t>
             </a:r>
             <a:endParaRPr lang="en-US" dirty="0"/>
           </a:p>
@@ -13246,7 +13250,7 @@
           <p:cNvPr id="15" name="Oval 14">
             <a:extLst>
               <a:ext uri="{FF2B5EF4-FFF2-40B4-BE49-F238E27FC236}">
-                <a16:creationId xmlns:a16="http://schemas.microsoft.com/office/drawing/2014/main" xmlns="" id="{25D7286A-DE7C-46DE-86A1-86E100CB0A72}"/>
+                <a16:creationId xmlns:a16="http://schemas.microsoft.com/office/drawing/2014/main" id="{25D7286A-DE7C-46DE-86A1-86E100CB0A72}"/>
               </a:ext>
             </a:extLst>
           </p:cNvPr>
@@ -13254,9 +13258,9 @@
           <p:nvPr/>
         </p:nvSpPr>
         <p:spPr>
-          <a:xfrm>
-            <a:off x="6682846" y="4004801"/>
-            <a:ext cx="2430880" cy="1974271"/>
+          <a:xfrm rot="17794797">
+            <a:off x="6553820" y="3653724"/>
+            <a:ext cx="2880186" cy="1689957"/>
           </a:xfrm>
           <a:prstGeom prst="ellipse">
             <a:avLst/>
@@ -13301,7 +13305,7 @@
             <a:pPr algn="ctr"/>
             <a:r>
               <a:rPr lang="en-IN" dirty="0"/>
-              <a:t>Calculating steps needed to traverse from one point to another using Python</a:t>
+              <a:t> Calculating steps needed to traverse from one point to another using Python</a:t>
             </a:r>
           </a:p>
           <a:p>
@@ -13315,7 +13319,7 @@
           <p:cNvPr id="16" name="Oval 15">
             <a:extLst>
               <a:ext uri="{FF2B5EF4-FFF2-40B4-BE49-F238E27FC236}">
-                <a16:creationId xmlns:a16="http://schemas.microsoft.com/office/drawing/2014/main" xmlns="" id="{7FDB0DD4-F7B1-4892-8AAD-3EFAD8C0E6C8}"/>
+                <a16:creationId xmlns:a16="http://schemas.microsoft.com/office/drawing/2014/main" id="{7FDB0DD4-F7B1-4892-8AAD-3EFAD8C0E6C8}"/>
               </a:ext>
             </a:extLst>
           </p:cNvPr>
@@ -13323,9 +13327,9 @@
           <p:nvPr/>
         </p:nvSpPr>
         <p:spPr>
-          <a:xfrm>
-            <a:off x="6748050" y="473793"/>
-            <a:ext cx="1969517" cy="1524046"/>
+          <a:xfrm rot="2963192">
+            <a:off x="6689578" y="1152058"/>
+            <a:ext cx="2293138" cy="1254869"/>
           </a:xfrm>
           <a:prstGeom prst="ellipse">
             <a:avLst/>
@@ -13366,11 +13370,7 @@
             <a:pPr algn="ctr"/>
             <a:r>
               <a:rPr lang="en-IN" dirty="0"/>
-              <a:t>Extracting soldering points  from </a:t>
-            </a:r>
-            <a:r>
-              <a:rPr lang="en-IN" dirty="0" smtClean="0"/>
-              <a:t>CSV</a:t>
+              <a:t>Extracting soldering points  from CSV</a:t>
             </a:r>
             <a:endParaRPr lang="en-US" dirty="0"/>
           </a:p>
@@ -13381,7 +13381,7 @@
           <p:cNvPr id="17" name="Oval 16">
             <a:extLst>
               <a:ext uri="{FF2B5EF4-FFF2-40B4-BE49-F238E27FC236}">
-                <a16:creationId xmlns:a16="http://schemas.microsoft.com/office/drawing/2014/main" xmlns="" id="{E39CB3FB-E31F-4331-BCD9-67E4EA35EC17}"/>
+                <a16:creationId xmlns:a16="http://schemas.microsoft.com/office/drawing/2014/main" id="{E39CB3FB-E31F-4331-BCD9-67E4EA35EC17}"/>
               </a:ext>
             </a:extLst>
           </p:cNvPr>
@@ -13389,9 +13389,9 @@
           <p:nvPr/>
         </p:nvSpPr>
         <p:spPr>
-          <a:xfrm>
-            <a:off x="3932802" y="4284026"/>
-            <a:ext cx="2364021" cy="1791702"/>
+          <a:xfrm rot="21334239">
+            <a:off x="4026639" y="5456191"/>
+            <a:ext cx="2923455" cy="1183765"/>
           </a:xfrm>
           <a:prstGeom prst="ellipse">
             <a:avLst/>
@@ -13431,24 +13431,8 @@
           <a:p>
             <a:pPr algn="ctr"/>
             <a:r>
-              <a:rPr lang="en-IN" dirty="0" smtClean="0"/>
-              <a:t>The </a:t>
-            </a:r>
-            <a:r>
               <a:rPr lang="en-IN" dirty="0"/>
-              <a:t>calculated results </a:t>
-            </a:r>
-            <a:r>
-              <a:rPr lang="en-IN" dirty="0" smtClean="0"/>
-              <a:t>are wirelessly </a:t>
-            </a:r>
-            <a:r>
-              <a:rPr lang="en-IN" dirty="0"/>
-              <a:t>sent to </a:t>
-            </a:r>
-            <a:r>
-              <a:rPr lang="en-IN" dirty="0" smtClean="0"/>
-              <a:t>ESP32</a:t>
+              <a:t>The calculated results are wirelessly sent to ESP32</a:t>
             </a:r>
             <a:endParaRPr lang="en-US" dirty="0"/>
           </a:p>
@@ -13459,7 +13443,7 @@
           <p:cNvPr id="21" name="Arrow: Curved Down 20">
             <a:extLst>
               <a:ext uri="{FF2B5EF4-FFF2-40B4-BE49-F238E27FC236}">
-                <a16:creationId xmlns:a16="http://schemas.microsoft.com/office/drawing/2014/main" xmlns="" id="{89C8FEDD-39F4-420A-9CD7-49B05FAB0722}"/>
+                <a16:creationId xmlns:a16="http://schemas.microsoft.com/office/drawing/2014/main" id="{89C8FEDD-39F4-420A-9CD7-49B05FAB0722}"/>
               </a:ext>
             </a:extLst>
           </p:cNvPr>
@@ -13468,7 +13452,7 @@
         </p:nvSpPr>
         <p:spPr>
           <a:xfrm rot="11830663" flipH="1">
-            <a:off x="5982319" y="1834749"/>
+            <a:off x="5688322" y="1567443"/>
             <a:ext cx="1288324" cy="443350"/>
           </a:xfrm>
           <a:prstGeom prst="curvedDownArrow">
@@ -13504,10 +13488,10 @@
       </p:sp>
       <p:sp>
         <p:nvSpPr>
-          <p:cNvPr id="22" name="Arrow: Curved Left 21">
+          <p:cNvPr id="24" name="Arrow: Curved Up 23">
             <a:extLst>
               <a:ext uri="{FF2B5EF4-FFF2-40B4-BE49-F238E27FC236}">
-                <a16:creationId xmlns:a16="http://schemas.microsoft.com/office/drawing/2014/main" xmlns="" id="{DA924B5A-802A-4FAF-A23B-1CB8FC7D69D9}"/>
+                <a16:creationId xmlns:a16="http://schemas.microsoft.com/office/drawing/2014/main" id="{C11E34B4-2A13-4D25-B1F5-ABBF73380031}"/>
               </a:ext>
             </a:extLst>
           </p:cNvPr>
@@ -13515,11 +13499,11 @@
           <p:nvPr/>
         </p:nvSpPr>
         <p:spPr>
-          <a:xfrm>
-            <a:off x="8500102" y="2204078"/>
-            <a:ext cx="434930" cy="1590819"/>
+          <a:xfrm rot="8489874">
+            <a:off x="5469586" y="4457362"/>
+            <a:ext cx="1491457" cy="514202"/>
           </a:xfrm>
-          <a:prstGeom prst="curvedLeftArrow">
+          <a:prstGeom prst="curvedUpArrow">
             <a:avLst/>
           </a:prstGeom>
         </p:spPr>
@@ -13552,10 +13536,10 @@
       </p:sp>
       <p:sp>
         <p:nvSpPr>
-          <p:cNvPr id="24" name="Arrow: Curved Up 23">
+          <p:cNvPr id="25" name="Arrow: Curved Up 24">
             <a:extLst>
               <a:ext uri="{FF2B5EF4-FFF2-40B4-BE49-F238E27FC236}">
-                <a16:creationId xmlns:a16="http://schemas.microsoft.com/office/drawing/2014/main" xmlns="" id="{C11E34B4-2A13-4D25-B1F5-ABBF73380031}"/>
+                <a16:creationId xmlns:a16="http://schemas.microsoft.com/office/drawing/2014/main" id="{BD7A229F-DFFE-4983-B350-2AC5CFDB9F4C}"/>
               </a:ext>
             </a:extLst>
           </p:cNvPr>
@@ -13563,8 +13547,8 @@
           <p:nvPr/>
         </p:nvSpPr>
         <p:spPr>
-          <a:xfrm rot="10800000">
-            <a:off x="5704541" y="3799118"/>
+          <a:xfrm rot="19223538">
+            <a:off x="1688319" y="1469773"/>
             <a:ext cx="1184564" cy="484908"/>
           </a:xfrm>
           <a:prstGeom prst="curvedUpArrow">
@@ -13600,58 +13584,10 @@
       </p:sp>
       <p:sp>
         <p:nvSpPr>
-          <p:cNvPr id="25" name="Arrow: Curved Up 24">
-            <a:extLst>
-              <a:ext uri="{FF2B5EF4-FFF2-40B4-BE49-F238E27FC236}">
-                <a16:creationId xmlns:a16="http://schemas.microsoft.com/office/drawing/2014/main" xmlns="" id="{BD7A229F-DFFE-4983-B350-2AC5CFDB9F4C}"/>
-              </a:ext>
-            </a:extLst>
-          </p:cNvPr>
-          <p:cNvSpPr/>
-          <p:nvPr/>
-        </p:nvSpPr>
-        <p:spPr>
-          <a:xfrm>
-            <a:off x="1817635" y="1524000"/>
-            <a:ext cx="1184564" cy="484908"/>
-          </a:xfrm>
-          <a:prstGeom prst="curvedUpArrow">
-            <a:avLst/>
-          </a:prstGeom>
-        </p:spPr>
-        <p:style>
-          <a:lnRef idx="1">
-            <a:schemeClr val="accent1"/>
-          </a:lnRef>
-          <a:fillRef idx="2">
-            <a:schemeClr val="accent1"/>
-          </a:fillRef>
-          <a:effectRef idx="1">
-            <a:schemeClr val="accent1"/>
-          </a:effectRef>
-          <a:fontRef idx="minor">
-            <a:schemeClr val="dk1"/>
-          </a:fontRef>
-        </p:style>
-        <p:txBody>
-          <a:bodyPr rtlCol="0" anchor="ctr"/>
-          <a:lstStyle/>
-          <a:p>
-            <a:pPr algn="ctr"/>
-            <a:endParaRPr lang="en-US">
-              <a:solidFill>
-                <a:schemeClr val="tx1"/>
-              </a:solidFill>
-            </a:endParaRPr>
-          </a:p>
-        </p:txBody>
-      </p:sp>
-      <p:sp>
-        <p:nvSpPr>
           <p:cNvPr id="18" name="Slide Number Placeholder 3">
             <a:extLst>
               <a:ext uri="{FF2B5EF4-FFF2-40B4-BE49-F238E27FC236}">
-                <a16:creationId xmlns:a16="http://schemas.microsoft.com/office/drawing/2014/main" xmlns="" id="{688010C3-FE03-4A9C-B048-60C5B3CA2120}"/>
+                <a16:creationId xmlns:a16="http://schemas.microsoft.com/office/drawing/2014/main" id="{688010C3-FE03-4A9C-B048-60C5B3CA2120}"/>
               </a:ext>
             </a:extLst>
           </p:cNvPr>
@@ -13784,7 +13720,7 @@
           <p:cNvPr id="19" name="Oval 18">
             <a:extLst>
               <a:ext uri="{FF2B5EF4-FFF2-40B4-BE49-F238E27FC236}">
-                <a16:creationId xmlns:a16="http://schemas.microsoft.com/office/drawing/2014/main" xmlns="" id="{7FDB0DD4-F7B1-4892-8AAD-3EFAD8C0E6C8}"/>
+                <a16:creationId xmlns:a16="http://schemas.microsoft.com/office/drawing/2014/main" id="{7FDB0DD4-F7B1-4892-8AAD-3EFAD8C0E6C8}"/>
               </a:ext>
             </a:extLst>
           </p:cNvPr>
@@ -13792,9 +13728,9 @@
           <p:nvPr/>
         </p:nvSpPr>
         <p:spPr>
-          <a:xfrm>
-            <a:off x="4638821" y="230290"/>
-            <a:ext cx="1969517" cy="1409783"/>
+          <a:xfrm rot="269662">
+            <a:off x="4306357" y="124551"/>
+            <a:ext cx="2364021" cy="1076402"/>
           </a:xfrm>
           <a:prstGeom prst="ellipse">
             <a:avLst/>
@@ -13834,10 +13770,9 @@
           <a:p>
             <a:pPr algn="ctr"/>
             <a:r>
-              <a:rPr lang="en-US" dirty="0" smtClean="0"/>
+              <a:rPr lang="en-US" dirty="0"/>
               <a:t>Launching the SOLDER app</a:t>
             </a:r>
-            <a:endParaRPr lang="en-US" dirty="0"/>
           </a:p>
         </p:txBody>
       </p:sp>
@@ -13846,7 +13781,7 @@
           <p:cNvPr id="20" name="Oval 19">
             <a:extLst>
               <a:ext uri="{FF2B5EF4-FFF2-40B4-BE49-F238E27FC236}">
-                <a16:creationId xmlns:a16="http://schemas.microsoft.com/office/drawing/2014/main" xmlns="" id="{3AB6F5BB-DB76-4E97-9BE1-4A4B622BD0CD}"/>
+                <a16:creationId xmlns:a16="http://schemas.microsoft.com/office/drawing/2014/main" id="{3AB6F5BB-DB76-4E97-9BE1-4A4B622BD0CD}"/>
               </a:ext>
             </a:extLst>
           </p:cNvPr>
@@ -13854,9 +13789,9 @@
           <p:nvPr/>
         </p:nvSpPr>
         <p:spPr>
-          <a:xfrm>
-            <a:off x="3146766" y="2200453"/>
-            <a:ext cx="2264477" cy="1581507"/>
+          <a:xfrm rot="15330933">
+            <a:off x="-112277" y="3246011"/>
+            <a:ext cx="2147215" cy="1370113"/>
           </a:xfrm>
           <a:prstGeom prst="ellipse">
             <a:avLst/>
@@ -13895,10 +13830,6 @@
           <a:lstStyle/>
           <a:p>
             <a:pPr algn="ctr"/>
-            <a:r>
-              <a:rPr lang="en-US" dirty="0" smtClean="0"/>
-              <a:t>The app interface allows batch of soldering boards</a:t>
-            </a:r>
             <a:endParaRPr lang="en-US" dirty="0"/>
           </a:p>
         </p:txBody>
@@ -13908,7 +13839,7 @@
           <p:cNvPr id="26" name="Arrow: Curved Up 23">
             <a:extLst>
               <a:ext uri="{FF2B5EF4-FFF2-40B4-BE49-F238E27FC236}">
-                <a16:creationId xmlns:a16="http://schemas.microsoft.com/office/drawing/2014/main" xmlns="" id="{C11E34B4-2A13-4D25-B1F5-ABBF73380031}"/>
+                <a16:creationId xmlns:a16="http://schemas.microsoft.com/office/drawing/2014/main" id="{C11E34B4-2A13-4D25-B1F5-ABBF73380031}"/>
               </a:ext>
             </a:extLst>
           </p:cNvPr>
@@ -13917,7 +13848,7 @@
         </p:nvSpPr>
         <p:spPr>
           <a:xfrm>
-            <a:off x="3921916" y="1512931"/>
+            <a:off x="3496536" y="1178981"/>
             <a:ext cx="1184564" cy="484908"/>
           </a:xfrm>
           <a:prstGeom prst="curvedUpArrow">
@@ -13958,9 +13889,9 @@
           <p:nvPr/>
         </p:nvSpPr>
         <p:spPr>
-          <a:xfrm>
-            <a:off x="1115013" y="3581846"/>
-            <a:ext cx="2255601" cy="964569"/>
+          <a:xfrm rot="5400000">
+            <a:off x="3801419" y="2524092"/>
+            <a:ext cx="1972859" cy="1597465"/>
           </a:xfrm>
           <a:prstGeom prst="flowChartDecision">
             <a:avLst/>
@@ -13985,158 +13916,362 @@
           <a:lstStyle/>
           <a:p>
             <a:pPr algn="ctr"/>
+            <a:endParaRPr lang="en-US" dirty="0"/>
+          </a:p>
+        </p:txBody>
+      </p:sp>
+      <p:sp>
+        <p:nvSpPr>
+          <p:cNvPr id="87" name="TextBox 86">
+            <a:extLst>
+              <a:ext uri="{FF2B5EF4-FFF2-40B4-BE49-F238E27FC236}">
+                <a16:creationId xmlns:a16="http://schemas.microsoft.com/office/drawing/2014/main" id="{5DF4509E-EFFB-4782-A6BC-9ED8283B696E}"/>
+              </a:ext>
+            </a:extLst>
+          </p:cNvPr>
+          <p:cNvSpPr txBox="1"/>
+          <p:nvPr/>
+        </p:nvSpPr>
+        <p:spPr>
+          <a:xfrm rot="20604583">
+            <a:off x="455253" y="3004888"/>
+            <a:ext cx="1339355" cy="2031325"/>
+          </a:xfrm>
+          <a:prstGeom prst="rect">
+            <a:avLst/>
+          </a:prstGeom>
+          <a:noFill/>
+        </p:spPr>
+        <p:txBody>
+          <a:bodyPr wrap="square" rtlCol="0">
+            <a:spAutoFit/>
+          </a:bodyPr>
+          <a:lstStyle/>
+          <a:p>
             <a:r>
-              <a:rPr lang="en-US" dirty="0" smtClean="0"/>
+              <a:rPr lang="en-US" dirty="0">
+                <a:solidFill>
+                  <a:schemeClr val="bg1"/>
+                </a:solidFill>
+              </a:rPr>
+              <a:t>The app interface allows batch of soldering boards</a:t>
+            </a:r>
+          </a:p>
+          <a:p>
+            <a:endParaRPr lang="en-IN" dirty="0"/>
+          </a:p>
+        </p:txBody>
+      </p:sp>
+      <p:sp>
+        <p:nvSpPr>
+          <p:cNvPr id="88" name="Arrow: Curved Up 87">
+            <a:extLst>
+              <a:ext uri="{FF2B5EF4-FFF2-40B4-BE49-F238E27FC236}">
+                <a16:creationId xmlns:a16="http://schemas.microsoft.com/office/drawing/2014/main" id="{C9206E78-FB76-4660-A40D-DFA9484A0768}"/>
+              </a:ext>
+            </a:extLst>
+          </p:cNvPr>
+          <p:cNvSpPr/>
+          <p:nvPr/>
+        </p:nvSpPr>
+        <p:spPr>
+          <a:xfrm rot="5400000">
+            <a:off x="6739437" y="2777348"/>
+            <a:ext cx="1184564" cy="484908"/>
+          </a:xfrm>
+          <a:prstGeom prst="curvedUpArrow">
+            <a:avLst/>
+          </a:prstGeom>
+        </p:spPr>
+        <p:style>
+          <a:lnRef idx="1">
+            <a:schemeClr val="accent1"/>
+          </a:lnRef>
+          <a:fillRef idx="2">
+            <a:schemeClr val="accent1"/>
+          </a:fillRef>
+          <a:effectRef idx="1">
+            <a:schemeClr val="accent1"/>
+          </a:effectRef>
+          <a:fontRef idx="minor">
+            <a:schemeClr val="dk1"/>
+          </a:fontRef>
+        </p:style>
+        <p:txBody>
+          <a:bodyPr rtlCol="0" anchor="ctr"/>
+          <a:lstStyle/>
+          <a:p>
+            <a:pPr algn="ctr"/>
+            <a:endParaRPr lang="en-US">
+              <a:solidFill>
+                <a:schemeClr val="tx1"/>
+              </a:solidFill>
+            </a:endParaRPr>
+          </a:p>
+        </p:txBody>
+      </p:sp>
+      <p:sp>
+        <p:nvSpPr>
+          <p:cNvPr id="101" name="TextBox 100">
+            <a:extLst>
+              <a:ext uri="{FF2B5EF4-FFF2-40B4-BE49-F238E27FC236}">
+                <a16:creationId xmlns:a16="http://schemas.microsoft.com/office/drawing/2014/main" id="{7D474E5C-1F8C-4503-85AC-8E923E907EF4}"/>
+              </a:ext>
+            </a:extLst>
+          </p:cNvPr>
+          <p:cNvSpPr txBox="1"/>
+          <p:nvPr/>
+        </p:nvSpPr>
+        <p:spPr>
+          <a:xfrm>
+            <a:off x="4223748" y="3007738"/>
+            <a:ext cx="1408348" cy="923330"/>
+          </a:xfrm>
+          <a:prstGeom prst="rect">
+            <a:avLst/>
+          </a:prstGeom>
+          <a:noFill/>
+        </p:spPr>
+        <p:txBody>
+          <a:bodyPr wrap="square" rtlCol="0">
+            <a:spAutoFit/>
+          </a:bodyPr>
+          <a:lstStyle/>
+          <a:p>
+            <a:r>
+              <a:rPr lang="en-US" dirty="0">
+                <a:solidFill>
+                  <a:schemeClr val="bg1"/>
+                </a:solidFill>
+              </a:rPr>
               <a:t>All holes soldered</a:t>
             </a:r>
-            <a:endParaRPr lang="en-US" dirty="0"/>
+          </a:p>
+          <a:p>
+            <a:endParaRPr lang="en-IN" dirty="0"/>
           </a:p>
         </p:txBody>
       </p:sp>
-      <p:cxnSp>
-        <p:nvCxnSpPr>
-          <p:cNvPr id="6" name="Straight Arrow Connector 5"/>
-          <p:cNvCxnSpPr>
-            <a:stCxn id="2" idx="3"/>
-            <a:endCxn id="17" idx="1"/>
-          </p:cNvCxnSpPr>
+      <p:sp>
+        <p:nvSpPr>
+          <p:cNvPr id="104" name="Arrow: Down 103">
+            <a:extLst>
+              <a:ext uri="{FF2B5EF4-FFF2-40B4-BE49-F238E27FC236}">
+                <a16:creationId xmlns:a16="http://schemas.microsoft.com/office/drawing/2014/main" id="{766A4A1F-C439-4079-853F-A023CE16DAA4}"/>
+              </a:ext>
+            </a:extLst>
+          </p:cNvPr>
+          <p:cNvSpPr/>
           <p:nvPr/>
-        </p:nvCxnSpPr>
+        </p:nvSpPr>
+        <p:spPr>
+          <a:xfrm rot="5118692">
+            <a:off x="2726531" y="2553525"/>
+            <a:ext cx="257827" cy="1856048"/>
+          </a:xfrm>
+          <a:prstGeom prst="downArrow">
+            <a:avLst/>
+          </a:prstGeom>
+        </p:spPr>
+        <p:style>
+          <a:lnRef idx="1">
+            <a:schemeClr val="accent1"/>
+          </a:lnRef>
+          <a:fillRef idx="2">
+            <a:schemeClr val="accent1"/>
+          </a:fillRef>
+          <a:effectRef idx="1">
+            <a:schemeClr val="accent1"/>
+          </a:effectRef>
+          <a:fontRef idx="minor">
+            <a:schemeClr val="dk1"/>
+          </a:fontRef>
+        </p:style>
+        <p:txBody>
+          <a:bodyPr rtlCol="0" anchor="ctr"/>
+          <a:lstStyle/>
+          <a:p>
+            <a:pPr algn="ctr"/>
+            <a:endParaRPr lang="en-IN"/>
+          </a:p>
+        </p:txBody>
+      </p:sp>
+      <p:sp>
+        <p:nvSpPr>
+          <p:cNvPr id="105" name="Arrow: Down 104">
+            <a:extLst>
+              <a:ext uri="{FF2B5EF4-FFF2-40B4-BE49-F238E27FC236}">
+                <a16:creationId xmlns:a16="http://schemas.microsoft.com/office/drawing/2014/main" id="{878D5B7E-288B-4159-877B-E5C0DBA18E3D}"/>
+              </a:ext>
+            </a:extLst>
+          </p:cNvPr>
+          <p:cNvSpPr/>
+          <p:nvPr/>
+        </p:nvSpPr>
         <p:spPr>
           <a:xfrm>
-            <a:off x="3370614" y="4064131"/>
-            <a:ext cx="908391" cy="482284"/>
+            <a:off x="4681100" y="4404806"/>
+            <a:ext cx="231467" cy="893545"/>
           </a:xfrm>
-          <a:prstGeom prst="straightConnector1">
+          <a:prstGeom prst="downArrow">
             <a:avLst/>
           </a:prstGeom>
-          <a:ln>
-            <a:tailEnd type="arrow"/>
-          </a:ln>
         </p:spPr>
         <p:style>
-          <a:lnRef idx="3">
-            <a:schemeClr val="accent2"/>
+          <a:lnRef idx="1">
+            <a:schemeClr val="accent1"/>
           </a:lnRef>
-          <a:fillRef idx="0">
-            <a:schemeClr val="accent2"/>
+          <a:fillRef idx="2">
+            <a:schemeClr val="accent1"/>
           </a:fillRef>
-          <a:effectRef idx="2">
-            <a:schemeClr val="accent2"/>
+          <a:effectRef idx="1">
+            <a:schemeClr val="accent1"/>
           </a:effectRef>
           <a:fontRef idx="minor">
-            <a:schemeClr val="tx1"/>
+            <a:schemeClr val="dk1"/>
           </a:fontRef>
         </p:style>
-      </p:cxnSp>
-      <p:cxnSp>
-        <p:nvCxnSpPr>
-          <p:cNvPr id="29" name="Straight Arrow Connector 28"/>
-          <p:cNvCxnSpPr>
-            <a:stCxn id="2" idx="0"/>
-            <a:endCxn id="20" idx="2"/>
-          </p:cNvCxnSpPr>
+        <p:txBody>
+          <a:bodyPr rtlCol="0" anchor="ctr"/>
+          <a:lstStyle/>
+          <a:p>
+            <a:pPr algn="ctr"/>
+            <a:endParaRPr lang="en-IN"/>
+          </a:p>
+        </p:txBody>
+      </p:sp>
+      <p:sp>
+        <p:nvSpPr>
+          <p:cNvPr id="106" name="Arrow: Down 105">
+            <a:extLst>
+              <a:ext uri="{FF2B5EF4-FFF2-40B4-BE49-F238E27FC236}">
+                <a16:creationId xmlns:a16="http://schemas.microsoft.com/office/drawing/2014/main" id="{C7C9B3FE-1210-46B1-B20D-C0060D5F2BBA}"/>
+              </a:ext>
+            </a:extLst>
+          </p:cNvPr>
+          <p:cNvSpPr/>
           <p:nvPr/>
-        </p:nvCxnSpPr>
+        </p:nvSpPr>
         <p:spPr>
-          <a:xfrm flipV="1">
-            <a:off x="2242814" y="2991207"/>
-            <a:ext cx="903952" cy="590639"/>
+          <a:xfrm rot="12831330">
+            <a:off x="3289408" y="3396016"/>
+            <a:ext cx="257827" cy="1856048"/>
           </a:xfrm>
-          <a:prstGeom prst="straightConnector1">
+          <a:prstGeom prst="downArrow">
             <a:avLst/>
           </a:prstGeom>
-          <a:ln>
-            <a:tailEnd type="arrow"/>
-          </a:ln>
         </p:spPr>
         <p:style>
-          <a:lnRef idx="3">
-            <a:schemeClr val="accent2"/>
+          <a:lnRef idx="1">
+            <a:schemeClr val="accent1"/>
           </a:lnRef>
-          <a:fillRef idx="0">
-            <a:schemeClr val="accent2"/>
+          <a:fillRef idx="2">
+            <a:schemeClr val="accent1"/>
           </a:fillRef>
-          <a:effectRef idx="2">
-            <a:schemeClr val="accent2"/>
+          <a:effectRef idx="1">
+            <a:schemeClr val="accent1"/>
           </a:effectRef>
           <a:fontRef idx="minor">
-            <a:schemeClr val="tx1"/>
+            <a:schemeClr val="dk1"/>
           </a:fontRef>
         </p:style>
-      </p:cxnSp>
-      <p:cxnSp>
-        <p:nvCxnSpPr>
-          <p:cNvPr id="30" name="Straight Arrow Connector 29"/>
-          <p:cNvCxnSpPr>
-            <a:stCxn id="14" idx="0"/>
-            <a:endCxn id="2" idx="2"/>
-          </p:cNvCxnSpPr>
+        <p:txBody>
+          <a:bodyPr rtlCol="0" anchor="ctr"/>
+          <a:lstStyle/>
+          <a:p>
+            <a:pPr algn="ctr"/>
+            <a:endParaRPr lang="en-IN"/>
+          </a:p>
+        </p:txBody>
+      </p:sp>
+      <p:sp>
+        <p:nvSpPr>
+          <p:cNvPr id="107" name="Arrow: Down 106">
+            <a:extLst>
+              <a:ext uri="{FF2B5EF4-FFF2-40B4-BE49-F238E27FC236}">
+                <a16:creationId xmlns:a16="http://schemas.microsoft.com/office/drawing/2014/main" id="{753C6E5D-DFD3-4D51-85F5-C50A917DA4E0}"/>
+              </a:ext>
+            </a:extLst>
+          </p:cNvPr>
+          <p:cNvSpPr/>
           <p:nvPr/>
-        </p:nvCxnSpPr>
+        </p:nvSpPr>
         <p:spPr>
-          <a:xfrm flipV="1">
-            <a:off x="2238376" y="4546415"/>
-            <a:ext cx="4438" cy="445521"/>
+          <a:xfrm rot="5118692">
+            <a:off x="3633536" y="5984305"/>
+            <a:ext cx="337503" cy="339561"/>
           </a:xfrm>
-          <a:prstGeom prst="straightConnector1">
+          <a:prstGeom prst="downArrow">
             <a:avLst/>
           </a:prstGeom>
-          <a:ln>
-            <a:tailEnd type="arrow"/>
-          </a:ln>
         </p:spPr>
         <p:style>
-          <a:lnRef idx="3">
-            <a:schemeClr val="accent2"/>
+          <a:lnRef idx="1">
+            <a:schemeClr val="accent1"/>
           </a:lnRef>
-          <a:fillRef idx="0">
-            <a:schemeClr val="accent2"/>
+          <a:fillRef idx="2">
+            <a:schemeClr val="accent1"/>
           </a:fillRef>
-          <a:effectRef idx="2">
-            <a:schemeClr val="accent2"/>
+          <a:effectRef idx="1">
+            <a:schemeClr val="accent1"/>
           </a:effectRef>
           <a:fontRef idx="minor">
-            <a:schemeClr val="tx1"/>
+            <a:schemeClr val="dk1"/>
           </a:fontRef>
         </p:style>
-      </p:cxnSp>
-      <p:cxnSp>
-        <p:nvCxnSpPr>
-          <p:cNvPr id="32" name="Straight Arrow Connector 31"/>
-          <p:cNvCxnSpPr>
-            <a:stCxn id="17" idx="2"/>
-            <a:endCxn id="14" idx="6"/>
-          </p:cNvCxnSpPr>
+        <p:txBody>
+          <a:bodyPr rtlCol="0" anchor="ctr"/>
+          <a:lstStyle/>
+          <a:p>
+            <a:pPr algn="ctr"/>
+            <a:endParaRPr lang="en-IN"/>
+          </a:p>
+        </p:txBody>
+      </p:sp>
+      <p:sp>
+        <p:nvSpPr>
+          <p:cNvPr id="109" name="Arrow: Down 108">
+            <a:extLst>
+              <a:ext uri="{FF2B5EF4-FFF2-40B4-BE49-F238E27FC236}">
+                <a16:creationId xmlns:a16="http://schemas.microsoft.com/office/drawing/2014/main" id="{077D00D8-65FB-4D7D-9C23-DB618978BB3C}"/>
+              </a:ext>
+            </a:extLst>
+          </p:cNvPr>
+          <p:cNvSpPr/>
           <p:nvPr/>
-        </p:nvCxnSpPr>
+        </p:nvSpPr>
         <p:spPr>
-          <a:xfrm flipH="1">
-            <a:off x="3370614" y="5179877"/>
-            <a:ext cx="562188" cy="615054"/>
+          <a:xfrm rot="8803284">
+            <a:off x="1138167" y="4917596"/>
+            <a:ext cx="337503" cy="339561"/>
           </a:xfrm>
-          <a:prstGeom prst="straightConnector1">
+          <a:prstGeom prst="downArrow">
             <a:avLst/>
           </a:prstGeom>
-          <a:ln>
-            <a:tailEnd type="arrow"/>
-          </a:ln>
         </p:spPr>
         <p:style>
-          <a:lnRef idx="3">
-            <a:schemeClr val="accent2"/>
+          <a:lnRef idx="1">
+            <a:schemeClr val="accent1"/>
           </a:lnRef>
-          <a:fillRef idx="0">
-            <a:schemeClr val="accent2"/>
+          <a:fillRef idx="2">
+            <a:schemeClr val="accent1"/>
           </a:fillRef>
-          <a:effectRef idx="2">
-            <a:schemeClr val="accent2"/>
+          <a:effectRef idx="1">
+            <a:schemeClr val="accent1"/>
           </a:effectRef>
           <a:fontRef idx="minor">
-            <a:schemeClr val="tx1"/>
+            <a:schemeClr val="dk1"/>
           </a:fontRef>
         </p:style>
-      </p:cxnSp>
+        <p:txBody>
+          <a:bodyPr rtlCol="0" anchor="ctr"/>
+          <a:lstStyle/>
+          <a:p>
+            <a:pPr algn="ctr"/>
+            <a:endParaRPr lang="en-IN"/>
+          </a:p>
+        </p:txBody>
+      </p:sp>
     </p:spTree>
     <p:extLst>
       <p:ext uri="{BB962C8B-B14F-4D97-AF65-F5344CB8AC3E}">
@@ -14343,7 +14478,7 @@
                                           </p:stCondLst>
                                         </p:cTn>
                                         <p:tgtEl>
-                                          <p:spTgt spid="21"/>
+                                          <p:spTgt spid="26"/>
                                         </p:tgtEl>
                                         <p:attrNameLst>
                                           <p:attrName>style.visibility</p:attrName>
@@ -14357,7 +14492,7 @@
                                       <p:cBhvr>
                                         <p:cTn id="22" dur="500"/>
                                         <p:tgtEl>
-                                          <p:spTgt spid="21"/>
+                                          <p:spTgt spid="26"/>
                                         </p:tgtEl>
                                       </p:cBhvr>
                                     </p:animEffect>
@@ -14396,7 +14531,7 @@
                                           </p:stCondLst>
                                         </p:cTn>
                                         <p:tgtEl>
-                                          <p:spTgt spid="16"/>
+                                          <p:spTgt spid="19"/>
                                         </p:tgtEl>
                                         <p:attrNameLst>
                                           <p:attrName>style.visibility</p:attrName>
@@ -14410,7 +14545,7 @@
                                       <p:cBhvr>
                                         <p:cTn id="27" dur="500"/>
                                         <p:tgtEl>
-                                          <p:spTgt spid="16"/>
+                                          <p:spTgt spid="19"/>
                                         </p:tgtEl>
                                       </p:cBhvr>
                                     </p:animEffect>
@@ -14449,7 +14584,7 @@
                                           </p:stCondLst>
                                         </p:cTn>
                                         <p:tgtEl>
-                                          <p:spTgt spid="22"/>
+                                          <p:spTgt spid="21"/>
                                         </p:tgtEl>
                                         <p:attrNameLst>
                                           <p:attrName>style.visibility</p:attrName>
@@ -14463,7 +14598,7 @@
                                       <p:cBhvr>
                                         <p:cTn id="32" dur="500"/>
                                         <p:tgtEl>
-                                          <p:spTgt spid="22"/>
+                                          <p:spTgt spid="21"/>
                                         </p:tgtEl>
                                       </p:cBhvr>
                                     </p:animEffect>
@@ -14502,7 +14637,7 @@
                                           </p:stCondLst>
                                         </p:cTn>
                                         <p:tgtEl>
-                                          <p:spTgt spid="15"/>
+                                          <p:spTgt spid="16"/>
                                         </p:tgtEl>
                                         <p:attrNameLst>
                                           <p:attrName>style.visibility</p:attrName>
@@ -14516,7 +14651,7 @@
                                       <p:cBhvr>
                                         <p:cTn id="37" dur="500"/>
                                         <p:tgtEl>
-                                          <p:spTgt spid="15"/>
+                                          <p:spTgt spid="16"/>
                                         </p:tgtEl>
                                       </p:cBhvr>
                                     </p:animEffect>
@@ -14555,7 +14690,7 @@
                                           </p:stCondLst>
                                         </p:cTn>
                                         <p:tgtEl>
-                                          <p:spTgt spid="24"/>
+                                          <p:spTgt spid="88"/>
                                         </p:tgtEl>
                                         <p:attrNameLst>
                                           <p:attrName>style.visibility</p:attrName>
@@ -14569,7 +14704,7 @@
                                       <p:cBhvr>
                                         <p:cTn id="42" dur="500"/>
                                         <p:tgtEl>
-                                          <p:spTgt spid="24"/>
+                                          <p:spTgt spid="88"/>
                                         </p:tgtEl>
                                       </p:cBhvr>
                                     </p:animEffect>
@@ -14608,7 +14743,7 @@
                                           </p:stCondLst>
                                         </p:cTn>
                                         <p:tgtEl>
-                                          <p:spTgt spid="17"/>
+                                          <p:spTgt spid="15"/>
                                         </p:tgtEl>
                                         <p:attrNameLst>
                                           <p:attrName>style.visibility</p:attrName>
@@ -14622,7 +14757,7 @@
                                       <p:cBhvr>
                                         <p:cTn id="47" dur="500"/>
                                         <p:tgtEl>
-                                          <p:spTgt spid="17"/>
+                                          <p:spTgt spid="15"/>
                                         </p:tgtEl>
                                       </p:cBhvr>
                                     </p:animEffect>
@@ -14661,7 +14796,7 @@
                                           </p:stCondLst>
                                         </p:cTn>
                                         <p:tgtEl>
-                                          <p:spTgt spid="14"/>
+                                          <p:spTgt spid="24"/>
                                         </p:tgtEl>
                                         <p:attrNameLst>
                                           <p:attrName>style.visibility</p:attrName>
@@ -14675,7 +14810,7 @@
                                       <p:cBhvr>
                                         <p:cTn id="52" dur="500"/>
                                         <p:tgtEl>
-                                          <p:spTgt spid="14"/>
+                                          <p:spTgt spid="24"/>
                                         </p:tgtEl>
                                       </p:cBhvr>
                                     </p:animEffect>
@@ -14714,7 +14849,7 @@
                                           </p:stCondLst>
                                         </p:cTn>
                                         <p:tgtEl>
-                                          <p:spTgt spid="19"/>
+                                          <p:spTgt spid="17"/>
                                         </p:tgtEl>
                                         <p:attrNameLst>
                                           <p:attrName>style.visibility</p:attrName>
@@ -14728,7 +14863,7 @@
                                       <p:cBhvr>
                                         <p:cTn id="57" dur="500"/>
                                         <p:tgtEl>
-                                          <p:spTgt spid="19"/>
+                                          <p:spTgt spid="17"/>
                                         </p:tgtEl>
                                       </p:cBhvr>
                                     </p:animEffect>
@@ -14767,7 +14902,7 @@
                                           </p:stCondLst>
                                         </p:cTn>
                                         <p:tgtEl>
-                                          <p:spTgt spid="20"/>
+                                          <p:spTgt spid="107"/>
                                         </p:tgtEl>
                                         <p:attrNameLst>
                                           <p:attrName>style.visibility</p:attrName>
@@ -14781,7 +14916,7 @@
                                       <p:cBhvr>
                                         <p:cTn id="62" dur="500"/>
                                         <p:tgtEl>
-                                          <p:spTgt spid="20"/>
+                                          <p:spTgt spid="107"/>
                                         </p:tgtEl>
                                       </p:cBhvr>
                                     </p:animEffect>
@@ -14820,7 +14955,7 @@
                                           </p:stCondLst>
                                         </p:cTn>
                                         <p:tgtEl>
-                                          <p:spTgt spid="26"/>
+                                          <p:spTgt spid="14"/>
                                         </p:tgtEl>
                                         <p:attrNameLst>
                                           <p:attrName>style.visibility</p:attrName>
@@ -14834,7 +14969,395 @@
                                       <p:cBhvr>
                                         <p:cTn id="67" dur="500"/>
                                         <p:tgtEl>
-                                          <p:spTgt spid="26"/>
+                                          <p:spTgt spid="14"/>
+                                        </p:tgtEl>
+                                      </p:cBhvr>
+                                    </p:animEffect>
+                                  </p:childTnLst>
+                                </p:cTn>
+                              </p:par>
+                            </p:childTnLst>
+                          </p:cTn>
+                        </p:par>
+                      </p:childTnLst>
+                    </p:cTn>
+                  </p:par>
+                  <p:par>
+                    <p:cTn id="68" fill="hold">
+                      <p:stCondLst>
+                        <p:cond delay="indefinite"/>
+                      </p:stCondLst>
+                      <p:childTnLst>
+                        <p:par>
+                          <p:cTn id="69" fill="hold">
+                            <p:stCondLst>
+                              <p:cond delay="0"/>
+                            </p:stCondLst>
+                            <p:childTnLst>
+                              <p:par>
+                                <p:cTn id="70" presetID="10" presetClass="entr" presetSubtype="0" fill="hold" grpId="0" nodeType="clickEffect">
+                                  <p:stCondLst>
+                                    <p:cond delay="0"/>
+                                  </p:stCondLst>
+                                  <p:childTnLst>
+                                    <p:set>
+                                      <p:cBhvr>
+                                        <p:cTn id="71" dur="1" fill="hold">
+                                          <p:stCondLst>
+                                            <p:cond delay="0"/>
+                                          </p:stCondLst>
+                                        </p:cTn>
+                                        <p:tgtEl>
+                                          <p:spTgt spid="109"/>
+                                        </p:tgtEl>
+                                        <p:attrNameLst>
+                                          <p:attrName>style.visibility</p:attrName>
+                                        </p:attrNameLst>
+                                      </p:cBhvr>
+                                      <p:to>
+                                        <p:strVal val="visible"/>
+                                      </p:to>
+                                    </p:set>
+                                    <p:animEffect transition="in" filter="fade">
+                                      <p:cBhvr>
+                                        <p:cTn id="72" dur="500"/>
+                                        <p:tgtEl>
+                                          <p:spTgt spid="109"/>
+                                        </p:tgtEl>
+                                      </p:cBhvr>
+                                    </p:animEffect>
+                                  </p:childTnLst>
+                                </p:cTn>
+                              </p:par>
+                            </p:childTnLst>
+                          </p:cTn>
+                        </p:par>
+                      </p:childTnLst>
+                    </p:cTn>
+                  </p:par>
+                  <p:par>
+                    <p:cTn id="73" fill="hold">
+                      <p:stCondLst>
+                        <p:cond delay="indefinite"/>
+                      </p:stCondLst>
+                      <p:childTnLst>
+                        <p:par>
+                          <p:cTn id="74" fill="hold">
+                            <p:stCondLst>
+                              <p:cond delay="0"/>
+                            </p:stCondLst>
+                            <p:childTnLst>
+                              <p:par>
+                                <p:cTn id="75" presetID="10" presetClass="entr" presetSubtype="0" fill="hold" grpId="0" nodeType="clickEffect">
+                                  <p:stCondLst>
+                                    <p:cond delay="0"/>
+                                  </p:stCondLst>
+                                  <p:childTnLst>
+                                    <p:set>
+                                      <p:cBhvr>
+                                        <p:cTn id="76" dur="1" fill="hold">
+                                          <p:stCondLst>
+                                            <p:cond delay="0"/>
+                                          </p:stCondLst>
+                                        </p:cTn>
+                                        <p:tgtEl>
+                                          <p:spTgt spid="20"/>
+                                        </p:tgtEl>
+                                        <p:attrNameLst>
+                                          <p:attrName>style.visibility</p:attrName>
+                                        </p:attrNameLst>
+                                      </p:cBhvr>
+                                      <p:to>
+                                        <p:strVal val="visible"/>
+                                      </p:to>
+                                    </p:set>
+                                    <p:animEffect transition="in" filter="fade">
+                                      <p:cBhvr>
+                                        <p:cTn id="77" dur="500"/>
+                                        <p:tgtEl>
+                                          <p:spTgt spid="20"/>
+                                        </p:tgtEl>
+                                      </p:cBhvr>
+                                    </p:animEffect>
+                                  </p:childTnLst>
+                                </p:cTn>
+                              </p:par>
+                              <p:par>
+                                <p:cTn id="78" presetID="10" presetClass="entr" presetSubtype="0" fill="hold" grpId="0" nodeType="withEffect">
+                                  <p:stCondLst>
+                                    <p:cond delay="0"/>
+                                  </p:stCondLst>
+                                  <p:childTnLst>
+                                    <p:set>
+                                      <p:cBhvr>
+                                        <p:cTn id="79" dur="1" fill="hold">
+                                          <p:stCondLst>
+                                            <p:cond delay="0"/>
+                                          </p:stCondLst>
+                                        </p:cTn>
+                                        <p:tgtEl>
+                                          <p:spTgt spid="87"/>
+                                        </p:tgtEl>
+                                        <p:attrNameLst>
+                                          <p:attrName>style.visibility</p:attrName>
+                                        </p:attrNameLst>
+                                      </p:cBhvr>
+                                      <p:to>
+                                        <p:strVal val="visible"/>
+                                      </p:to>
+                                    </p:set>
+                                    <p:animEffect transition="in" filter="fade">
+                                      <p:cBhvr>
+                                        <p:cTn id="80" dur="500"/>
+                                        <p:tgtEl>
+                                          <p:spTgt spid="87"/>
+                                        </p:tgtEl>
+                                      </p:cBhvr>
+                                    </p:animEffect>
+                                  </p:childTnLst>
+                                </p:cTn>
+                              </p:par>
+                            </p:childTnLst>
+                          </p:cTn>
+                        </p:par>
+                      </p:childTnLst>
+                    </p:cTn>
+                  </p:par>
+                  <p:par>
+                    <p:cTn id="81" fill="hold">
+                      <p:stCondLst>
+                        <p:cond delay="indefinite"/>
+                      </p:stCondLst>
+                      <p:childTnLst>
+                        <p:par>
+                          <p:cTn id="82" fill="hold">
+                            <p:stCondLst>
+                              <p:cond delay="0"/>
+                            </p:stCondLst>
+                            <p:childTnLst>
+                              <p:par>
+                                <p:cTn id="83" presetID="10" presetClass="entr" presetSubtype="0" fill="hold" grpId="0" nodeType="clickEffect">
+                                  <p:stCondLst>
+                                    <p:cond delay="0"/>
+                                  </p:stCondLst>
+                                  <p:childTnLst>
+                                    <p:set>
+                                      <p:cBhvr>
+                                        <p:cTn id="84" dur="1" fill="hold">
+                                          <p:stCondLst>
+                                            <p:cond delay="0"/>
+                                          </p:stCondLst>
+                                        </p:cTn>
+                                        <p:tgtEl>
+                                          <p:spTgt spid="2"/>
+                                        </p:tgtEl>
+                                        <p:attrNameLst>
+                                          <p:attrName>style.visibility</p:attrName>
+                                        </p:attrNameLst>
+                                      </p:cBhvr>
+                                      <p:to>
+                                        <p:strVal val="visible"/>
+                                      </p:to>
+                                    </p:set>
+                                    <p:animEffect transition="in" filter="fade">
+                                      <p:cBhvr>
+                                        <p:cTn id="85" dur="500"/>
+                                        <p:tgtEl>
+                                          <p:spTgt spid="2"/>
+                                        </p:tgtEl>
+                                      </p:cBhvr>
+                                    </p:animEffect>
+                                  </p:childTnLst>
+                                </p:cTn>
+                              </p:par>
+                              <p:par>
+                                <p:cTn id="86" presetID="10" presetClass="entr" presetSubtype="0" fill="hold" grpId="0" nodeType="withEffect">
+                                  <p:stCondLst>
+                                    <p:cond delay="0"/>
+                                  </p:stCondLst>
+                                  <p:childTnLst>
+                                    <p:set>
+                                      <p:cBhvr>
+                                        <p:cTn id="87" dur="1" fill="hold">
+                                          <p:stCondLst>
+                                            <p:cond delay="0"/>
+                                          </p:stCondLst>
+                                        </p:cTn>
+                                        <p:tgtEl>
+                                          <p:spTgt spid="101"/>
+                                        </p:tgtEl>
+                                        <p:attrNameLst>
+                                          <p:attrName>style.visibility</p:attrName>
+                                        </p:attrNameLst>
+                                      </p:cBhvr>
+                                      <p:to>
+                                        <p:strVal val="visible"/>
+                                      </p:to>
+                                    </p:set>
+                                    <p:animEffect transition="in" filter="fade">
+                                      <p:cBhvr>
+                                        <p:cTn id="88" dur="500"/>
+                                        <p:tgtEl>
+                                          <p:spTgt spid="101"/>
+                                        </p:tgtEl>
+                                      </p:cBhvr>
+                                    </p:animEffect>
+                                  </p:childTnLst>
+                                </p:cTn>
+                              </p:par>
+                            </p:childTnLst>
+                          </p:cTn>
+                        </p:par>
+                      </p:childTnLst>
+                    </p:cTn>
+                  </p:par>
+                  <p:par>
+                    <p:cTn id="89" fill="hold">
+                      <p:stCondLst>
+                        <p:cond delay="indefinite"/>
+                      </p:stCondLst>
+                      <p:childTnLst>
+                        <p:par>
+                          <p:cTn id="90" fill="hold">
+                            <p:stCondLst>
+                              <p:cond delay="0"/>
+                            </p:stCondLst>
+                            <p:childTnLst>
+                              <p:par>
+                                <p:cTn id="91" presetID="10" presetClass="entr" presetSubtype="0" fill="hold" grpId="0" nodeType="clickEffect">
+                                  <p:stCondLst>
+                                    <p:cond delay="0"/>
+                                  </p:stCondLst>
+                                  <p:childTnLst>
+                                    <p:set>
+                                      <p:cBhvr>
+                                        <p:cTn id="92" dur="1" fill="hold">
+                                          <p:stCondLst>
+                                            <p:cond delay="0"/>
+                                          </p:stCondLst>
+                                        </p:cTn>
+                                        <p:tgtEl>
+                                          <p:spTgt spid="105"/>
+                                        </p:tgtEl>
+                                        <p:attrNameLst>
+                                          <p:attrName>style.visibility</p:attrName>
+                                        </p:attrNameLst>
+                                      </p:cBhvr>
+                                      <p:to>
+                                        <p:strVal val="visible"/>
+                                      </p:to>
+                                    </p:set>
+                                    <p:animEffect transition="in" filter="fade">
+                                      <p:cBhvr>
+                                        <p:cTn id="93" dur="500"/>
+                                        <p:tgtEl>
+                                          <p:spTgt spid="105"/>
+                                        </p:tgtEl>
+                                      </p:cBhvr>
+                                    </p:animEffect>
+                                  </p:childTnLst>
+                                </p:cTn>
+                              </p:par>
+                            </p:childTnLst>
+                          </p:cTn>
+                        </p:par>
+                      </p:childTnLst>
+                    </p:cTn>
+                  </p:par>
+                  <p:par>
+                    <p:cTn id="94" fill="hold">
+                      <p:stCondLst>
+                        <p:cond delay="indefinite"/>
+                      </p:stCondLst>
+                      <p:childTnLst>
+                        <p:par>
+                          <p:cTn id="95" fill="hold">
+                            <p:stCondLst>
+                              <p:cond delay="0"/>
+                            </p:stCondLst>
+                            <p:childTnLst>
+                              <p:par>
+                                <p:cTn id="96" presetID="10" presetClass="entr" presetSubtype="0" fill="hold" grpId="0" nodeType="clickEffect">
+                                  <p:stCondLst>
+                                    <p:cond delay="0"/>
+                                  </p:stCondLst>
+                                  <p:childTnLst>
+                                    <p:set>
+                                      <p:cBhvr>
+                                        <p:cTn id="97" dur="1" fill="hold">
+                                          <p:stCondLst>
+                                            <p:cond delay="0"/>
+                                          </p:stCondLst>
+                                        </p:cTn>
+                                        <p:tgtEl>
+                                          <p:spTgt spid="106"/>
+                                        </p:tgtEl>
+                                        <p:attrNameLst>
+                                          <p:attrName>style.visibility</p:attrName>
+                                        </p:attrNameLst>
+                                      </p:cBhvr>
+                                      <p:to>
+                                        <p:strVal val="visible"/>
+                                      </p:to>
+                                    </p:set>
+                                    <p:animEffect transition="in" filter="fade">
+                                      <p:cBhvr>
+                                        <p:cTn id="98" dur="500"/>
+                                        <p:tgtEl>
+                                          <p:spTgt spid="106"/>
+                                        </p:tgtEl>
+                                      </p:cBhvr>
+                                    </p:animEffect>
+                                  </p:childTnLst>
+                                </p:cTn>
+                              </p:par>
+                            </p:childTnLst>
+                          </p:cTn>
+                        </p:par>
+                      </p:childTnLst>
+                    </p:cTn>
+                  </p:par>
+                  <p:par>
+                    <p:cTn id="99" fill="hold">
+                      <p:stCondLst>
+                        <p:cond delay="indefinite"/>
+                      </p:stCondLst>
+                      <p:childTnLst>
+                        <p:par>
+                          <p:cTn id="100" fill="hold">
+                            <p:stCondLst>
+                              <p:cond delay="0"/>
+                            </p:stCondLst>
+                            <p:childTnLst>
+                              <p:par>
+                                <p:cTn id="101" presetID="10" presetClass="entr" presetSubtype="0" fill="hold" grpId="0" nodeType="clickEffect">
+                                  <p:stCondLst>
+                                    <p:cond delay="0"/>
+                                  </p:stCondLst>
+                                  <p:childTnLst>
+                                    <p:set>
+                                      <p:cBhvr>
+                                        <p:cTn id="102" dur="1" fill="hold">
+                                          <p:stCondLst>
+                                            <p:cond delay="0"/>
+                                          </p:stCondLst>
+                                        </p:cTn>
+                                        <p:tgtEl>
+                                          <p:spTgt spid="104"/>
+                                        </p:tgtEl>
+                                        <p:attrNameLst>
+                                          <p:attrName>style.visibility</p:attrName>
+                                        </p:attrNameLst>
+                                      </p:cBhvr>
+                                      <p:to>
+                                        <p:strVal val="visible"/>
+                                      </p:to>
+                                    </p:set>
+                                    <p:animEffect transition="in" filter="fade">
+                                      <p:cBhvr>
+                                        <p:cTn id="103" dur="500"/>
+                                        <p:tgtEl>
+                                          <p:spTgt spid="104"/>
                                         </p:tgtEl>
                                       </p:cBhvr>
                                     </p:animEffect>
@@ -14876,12 +15399,20 @@
       <p:bldP spid="16" grpId="0" animBg="1"/>
       <p:bldP spid="17" grpId="0" animBg="1"/>
       <p:bldP spid="21" grpId="0" animBg="1"/>
-      <p:bldP spid="22" grpId="0" animBg="1"/>
       <p:bldP spid="24" grpId="0" animBg="1"/>
       <p:bldP spid="25" grpId="0" animBg="1"/>
       <p:bldP spid="19" grpId="0" animBg="1"/>
       <p:bldP spid="20" grpId="0" animBg="1"/>
       <p:bldP spid="26" grpId="0" animBg="1"/>
+      <p:bldP spid="2" grpId="0" animBg="1"/>
+      <p:bldP spid="87" grpId="0"/>
+      <p:bldP spid="88" grpId="0" animBg="1"/>
+      <p:bldP spid="101" grpId="0"/>
+      <p:bldP spid="104" grpId="0" animBg="1"/>
+      <p:bldP spid="105" grpId="0" animBg="1"/>
+      <p:bldP spid="106" grpId="0" animBg="1"/>
+      <p:bldP spid="107" grpId="0" animBg="1"/>
+      <p:bldP spid="109" grpId="0" animBg="1"/>
     </p:bldLst>
   </p:timing>
 </p:sld>
@@ -14909,7 +15440,7 @@
           <p:cNvPr id="5" name="Picture 4">
             <a:extLst>
               <a:ext uri="{FF2B5EF4-FFF2-40B4-BE49-F238E27FC236}">
-                <a16:creationId xmlns:a16="http://schemas.microsoft.com/office/drawing/2014/main" xmlns="" id="{568B24CE-BFDC-4A89-B104-FF42230DD486}"/>
+                <a16:creationId xmlns:a16="http://schemas.microsoft.com/office/drawing/2014/main" id="{568B24CE-BFDC-4A89-B104-FF42230DD486}"/>
               </a:ext>
             </a:extLst>
           </p:cNvPr>
@@ -14939,7 +15470,7 @@
           <p:cNvPr id="7" name="TextBox 6">
             <a:extLst>
               <a:ext uri="{FF2B5EF4-FFF2-40B4-BE49-F238E27FC236}">
-                <a16:creationId xmlns:a16="http://schemas.microsoft.com/office/drawing/2014/main" xmlns="" id="{A52515A5-15CB-45DB-8672-E9EA5ECFC556}"/>
+                <a16:creationId xmlns:a16="http://schemas.microsoft.com/office/drawing/2014/main" id="{A52515A5-15CB-45DB-8672-E9EA5ECFC556}"/>
               </a:ext>
             </a:extLst>
           </p:cNvPr>
@@ -14976,7 +15507,7 @@
           <p:cNvPr id="6" name="Slide Number Placeholder 3">
             <a:extLst>
               <a:ext uri="{FF2B5EF4-FFF2-40B4-BE49-F238E27FC236}">
-                <a16:creationId xmlns:a16="http://schemas.microsoft.com/office/drawing/2014/main" xmlns="" id="{688010C3-FE03-4A9C-B048-60C5B3CA2120}"/>
+                <a16:creationId xmlns:a16="http://schemas.microsoft.com/office/drawing/2014/main" id="{688010C3-FE03-4A9C-B048-60C5B3CA2120}"/>
               </a:ext>
             </a:extLst>
           </p:cNvPr>
@@ -15109,7 +15640,7 @@
           <p:cNvPr id="4" name="Oval 3">
             <a:extLst>
               <a:ext uri="{FF2B5EF4-FFF2-40B4-BE49-F238E27FC236}">
-                <a16:creationId xmlns:a16="http://schemas.microsoft.com/office/drawing/2014/main" xmlns="" id="{D67D5ECF-9E4F-4FF1-8479-6500C3E5FAD5}"/>
+                <a16:creationId xmlns:a16="http://schemas.microsoft.com/office/drawing/2014/main" id="{D67D5ECF-9E4F-4FF1-8479-6500C3E5FAD5}"/>
               </a:ext>
             </a:extLst>
           </p:cNvPr>
@@ -15194,7 +15725,7 @@
           <p:cNvPr id="3" name="TextBox 2">
             <a:extLst>
               <a:ext uri="{FF2B5EF4-FFF2-40B4-BE49-F238E27FC236}">
-                <a16:creationId xmlns:a16="http://schemas.microsoft.com/office/drawing/2014/main" xmlns="" id="{2E54FA32-6A32-4EA7-8344-E4C95783DC57}"/>
+                <a16:creationId xmlns:a16="http://schemas.microsoft.com/office/drawing/2014/main" id="{2E54FA32-6A32-4EA7-8344-E4C95783DC57}"/>
               </a:ext>
             </a:extLst>
           </p:cNvPr>
@@ -15231,7 +15762,7 @@
           <p:cNvPr id="6" name="Picture 5">
             <a:extLst>
               <a:ext uri="{FF2B5EF4-FFF2-40B4-BE49-F238E27FC236}">
-                <a16:creationId xmlns:a16="http://schemas.microsoft.com/office/drawing/2014/main" xmlns="" id="{54DE9FCC-50DD-4888-80AC-ABE04D4E1ACE}"/>
+                <a16:creationId xmlns:a16="http://schemas.microsoft.com/office/drawing/2014/main" id="{54DE9FCC-50DD-4888-80AC-ABE04D4E1ACE}"/>
               </a:ext>
             </a:extLst>
           </p:cNvPr>
@@ -15261,7 +15792,7 @@
           <p:cNvPr id="9" name="Picture 8">
             <a:extLst>
               <a:ext uri="{FF2B5EF4-FFF2-40B4-BE49-F238E27FC236}">
-                <a16:creationId xmlns:a16="http://schemas.microsoft.com/office/drawing/2014/main" xmlns="" id="{3E60FACE-15C3-4A44-B33A-AEAB02F641CA}"/>
+                <a16:creationId xmlns:a16="http://schemas.microsoft.com/office/drawing/2014/main" id="{3E60FACE-15C3-4A44-B33A-AEAB02F641CA}"/>
               </a:ext>
             </a:extLst>
           </p:cNvPr>
@@ -15291,7 +15822,7 @@
           <p:cNvPr id="7" name="Slide Number Placeholder 3">
             <a:extLst>
               <a:ext uri="{FF2B5EF4-FFF2-40B4-BE49-F238E27FC236}">
-                <a16:creationId xmlns:a16="http://schemas.microsoft.com/office/drawing/2014/main" xmlns="" id="{688010C3-FE03-4A9C-B048-60C5B3CA2120}"/>
+                <a16:creationId xmlns:a16="http://schemas.microsoft.com/office/drawing/2014/main" id="{688010C3-FE03-4A9C-B048-60C5B3CA2120}"/>
               </a:ext>
             </a:extLst>
           </p:cNvPr>
@@ -15424,7 +15955,7 @@
           <p:cNvPr id="2" name="TextBox 1">
             <a:extLst>
               <a:ext uri="{FF2B5EF4-FFF2-40B4-BE49-F238E27FC236}">
-                <a16:creationId xmlns:a16="http://schemas.microsoft.com/office/drawing/2014/main" xmlns="" id="{6BF3522E-D38A-42FE-86AF-892E17CCBC4B}"/>
+                <a16:creationId xmlns:a16="http://schemas.microsoft.com/office/drawing/2014/main" id="{6BF3522E-D38A-42FE-86AF-892E17CCBC4B}"/>
               </a:ext>
             </a:extLst>
           </p:cNvPr>
@@ -15462,7 +15993,7 @@
           <p:cNvPr id="5" name="TextBox 4">
             <a:extLst>
               <a:ext uri="{FF2B5EF4-FFF2-40B4-BE49-F238E27FC236}">
-                <a16:creationId xmlns:a16="http://schemas.microsoft.com/office/drawing/2014/main" xmlns="" id="{02A5DE75-5963-467C-9E39-9BB75F68E2F5}"/>
+                <a16:creationId xmlns:a16="http://schemas.microsoft.com/office/drawing/2014/main" id="{02A5DE75-5963-467C-9E39-9BB75F68E2F5}"/>
               </a:ext>
             </a:extLst>
           </p:cNvPr>
@@ -15794,7 +16325,7 @@
   <a:extraClrSchemeLst/>
   <a:extLst>
     <a:ext uri="{05A4C25C-085E-4340-85A3-A5531E510DB2}">
-      <thm15:themeFamily xmlns="" xmlns:thm15="http://schemas.microsoft.com/office/thememl/2012/main" name="Circuit" id="{0AC2F7E7-15F5-431C-B2A2-456FE929F56C}" vid="{0911B802-464C-4241-8DD9-B60FF88E379F}"/>
+      <thm15:themeFamily xmlns:thm15="http://schemas.microsoft.com/office/thememl/2012/main" name="Circuit" id="{0AC2F7E7-15F5-431C-B2A2-456FE929F56C}" vid="{0911B802-464C-4241-8DD9-B60FF88E379F}"/>
     </a:ext>
   </a:extLst>
 </a:theme>

--- a/01-MINI PROJECT - FINAL SUBMISSION/Mini Project.pptx
+++ b/01-MINI PROJECT - FINAL SUBMISSION/Mini Project.pptx
@@ -4417,7 +4417,7 @@
           <a:p>
             <a:fld id="{BA7A2FC8-CA20-44C1-8D29-7C6B04CD7F75}" type="datetimeFigureOut">
               <a:rPr lang="en-US" smtClean="0"/>
-              <a:t>5/14/2021</a:t>
+              <a:t>5/15/2021</a:t>
             </a:fld>
             <a:endParaRPr lang="en-US"/>
           </a:p>
@@ -4687,7 +4687,7 @@
           <a:p>
             <a:fld id="{BA7A2FC8-CA20-44C1-8D29-7C6B04CD7F75}" type="datetimeFigureOut">
               <a:rPr lang="en-US" smtClean="0"/>
-              <a:t>5/14/2021</a:t>
+              <a:t>5/15/2021</a:t>
             </a:fld>
             <a:endParaRPr lang="en-US"/>
           </a:p>
@@ -4886,7 +4886,7 @@
           <a:p>
             <a:fld id="{BA7A2FC8-CA20-44C1-8D29-7C6B04CD7F75}" type="datetimeFigureOut">
               <a:rPr lang="en-US" smtClean="0"/>
-              <a:t>5/14/2021</a:t>
+              <a:t>5/15/2021</a:t>
             </a:fld>
             <a:endParaRPr lang="en-US"/>
           </a:p>
@@ -5152,7 +5152,7 @@
           <a:p>
             <a:fld id="{BA7A2FC8-CA20-44C1-8D29-7C6B04CD7F75}" type="datetimeFigureOut">
               <a:rPr lang="en-US" smtClean="0"/>
-              <a:t>5/14/2021</a:t>
+              <a:t>5/15/2021</a:t>
             </a:fld>
             <a:endParaRPr lang="en-US"/>
           </a:p>
@@ -5589,7 +5589,7 @@
           <a:p>
             <a:fld id="{BA7A2FC8-CA20-44C1-8D29-7C6B04CD7F75}" type="datetimeFigureOut">
               <a:rPr lang="en-US" smtClean="0"/>
-              <a:t>5/14/2021</a:t>
+              <a:t>5/15/2021</a:t>
             </a:fld>
             <a:endParaRPr lang="en-US"/>
           </a:p>
@@ -6138,7 +6138,7 @@
           <a:p>
             <a:fld id="{BA7A2FC8-CA20-44C1-8D29-7C6B04CD7F75}" type="datetimeFigureOut">
               <a:rPr lang="en-US" smtClean="0"/>
-              <a:t>5/14/2021</a:t>
+              <a:t>5/15/2021</a:t>
             </a:fld>
             <a:endParaRPr lang="en-US"/>
           </a:p>
@@ -6861,7 +6861,7 @@
           <a:p>
             <a:fld id="{BA7A2FC8-CA20-44C1-8D29-7C6B04CD7F75}" type="datetimeFigureOut">
               <a:rPr lang="en-US" smtClean="0"/>
-              <a:t>5/14/2021</a:t>
+              <a:t>5/15/2021</a:t>
             </a:fld>
             <a:endParaRPr lang="en-US"/>
           </a:p>
@@ -7034,7 +7034,7 @@
           <a:p>
             <a:fld id="{BA7A2FC8-CA20-44C1-8D29-7C6B04CD7F75}" type="datetimeFigureOut">
               <a:rPr lang="en-US" smtClean="0"/>
-              <a:t>5/14/2021</a:t>
+              <a:t>5/15/2021</a:t>
             </a:fld>
             <a:endParaRPr lang="en-US"/>
           </a:p>
@@ -7217,7 +7217,7 @@
           <a:p>
             <a:fld id="{BA7A2FC8-CA20-44C1-8D29-7C6B04CD7F75}" type="datetimeFigureOut">
               <a:rPr lang="en-US" smtClean="0"/>
-              <a:t>5/14/2021</a:t>
+              <a:t>5/15/2021</a:t>
             </a:fld>
             <a:endParaRPr lang="en-US"/>
           </a:p>
@@ -7390,7 +7390,7 @@
           <a:p>
             <a:fld id="{BA7A2FC8-CA20-44C1-8D29-7C6B04CD7F75}" type="datetimeFigureOut">
               <a:rPr lang="en-US" smtClean="0"/>
-              <a:t>5/14/2021</a:t>
+              <a:t>5/15/2021</a:t>
             </a:fld>
             <a:endParaRPr lang="en-US"/>
           </a:p>
@@ -7643,7 +7643,7 @@
           <a:p>
             <a:fld id="{BA7A2FC8-CA20-44C1-8D29-7C6B04CD7F75}" type="datetimeFigureOut">
               <a:rPr lang="en-US" smtClean="0"/>
-              <a:t>5/14/2021</a:t>
+              <a:t>5/15/2021</a:t>
             </a:fld>
             <a:endParaRPr lang="en-US"/>
           </a:p>
@@ -7878,7 +7878,7 @@
           <a:p>
             <a:fld id="{BA7A2FC8-CA20-44C1-8D29-7C6B04CD7F75}" type="datetimeFigureOut">
               <a:rPr lang="en-US" smtClean="0"/>
-              <a:t>5/14/2021</a:t>
+              <a:t>5/15/2021</a:t>
             </a:fld>
             <a:endParaRPr lang="en-US"/>
           </a:p>
@@ -8262,7 +8262,7 @@
           <a:p>
             <a:fld id="{BA7A2FC8-CA20-44C1-8D29-7C6B04CD7F75}" type="datetimeFigureOut">
               <a:rPr lang="en-US" smtClean="0"/>
-              <a:t>5/14/2021</a:t>
+              <a:t>5/15/2021</a:t>
             </a:fld>
             <a:endParaRPr lang="en-US"/>
           </a:p>
@@ -8383,7 +8383,7 @@
           <a:p>
             <a:fld id="{BA7A2FC8-CA20-44C1-8D29-7C6B04CD7F75}" type="datetimeFigureOut">
               <a:rPr lang="en-US" smtClean="0"/>
-              <a:t>5/14/2021</a:t>
+              <a:t>5/15/2021</a:t>
             </a:fld>
             <a:endParaRPr lang="en-US"/>
           </a:p>
@@ -8481,7 +8481,7 @@
           <a:p>
             <a:fld id="{BA7A2FC8-CA20-44C1-8D29-7C6B04CD7F75}" type="datetimeFigureOut">
               <a:rPr lang="en-US" smtClean="0"/>
-              <a:t>5/14/2021</a:t>
+              <a:t>5/15/2021</a:t>
             </a:fld>
             <a:endParaRPr lang="en-US"/>
           </a:p>
@@ -8733,7 +8733,7 @@
           <a:p>
             <a:fld id="{BA7A2FC8-CA20-44C1-8D29-7C6B04CD7F75}" type="datetimeFigureOut">
               <a:rPr lang="en-US" smtClean="0"/>
-              <a:t>5/14/2021</a:t>
+              <a:t>5/15/2021</a:t>
             </a:fld>
             <a:endParaRPr lang="en-US"/>
           </a:p>
@@ -9016,7 +9016,7 @@
           <a:p>
             <a:fld id="{BA7A2FC8-CA20-44C1-8D29-7C6B04CD7F75}" type="datetimeFigureOut">
               <a:rPr lang="en-US" smtClean="0"/>
-              <a:t>5/14/2021</a:t>
+              <a:t>5/15/2021</a:t>
             </a:fld>
             <a:endParaRPr lang="en-US"/>
           </a:p>
@@ -12096,7 +12096,7 @@
           <a:p>
             <a:fld id="{BA7A2FC8-CA20-44C1-8D29-7C6B04CD7F75}" type="datetimeFigureOut">
               <a:rPr lang="en-US" smtClean="0"/>
-              <a:t>5/14/2021</a:t>
+              <a:t>5/15/2021</a:t>
             </a:fld>
             <a:endParaRPr lang="en-US"/>
           </a:p>
@@ -15008,7 +15008,7 @@
                                           </p:stCondLst>
                                         </p:cTn>
                                         <p:tgtEl>
-                                          <p:spTgt spid="109"/>
+                                          <p:spTgt spid="106"/>
                                         </p:tgtEl>
                                         <p:attrNameLst>
                                           <p:attrName>style.visibility</p:attrName>
@@ -15022,7 +15022,7 @@
                                       <p:cBhvr>
                                         <p:cTn id="72" dur="500"/>
                                         <p:tgtEl>
-                                          <p:spTgt spid="109"/>
+                                          <p:spTgt spid="106"/>
                                         </p:tgtEl>
                                       </p:cBhvr>
                                     </p:animEffect>
@@ -15061,7 +15061,7 @@
                                           </p:stCondLst>
                                         </p:cTn>
                                         <p:tgtEl>
-                                          <p:spTgt spid="20"/>
+                                          <p:spTgt spid="2"/>
                                         </p:tgtEl>
                                         <p:attrNameLst>
                                           <p:attrName>style.visibility</p:attrName>
@@ -15075,7 +15075,7 @@
                                       <p:cBhvr>
                                         <p:cTn id="77" dur="500"/>
                                         <p:tgtEl>
-                                          <p:spTgt spid="20"/>
+                                          <p:spTgt spid="2"/>
                                         </p:tgtEl>
                                       </p:cBhvr>
                                     </p:animEffect>
@@ -15096,7 +15096,7 @@
                                           </p:stCondLst>
                                         </p:cTn>
                                         <p:tgtEl>
-                                          <p:spTgt spid="87"/>
+                                          <p:spTgt spid="101"/>
                                         </p:tgtEl>
                                         <p:attrNameLst>
                                           <p:attrName>style.visibility</p:attrName>
@@ -15110,7 +15110,7 @@
                                       <p:cBhvr>
                                         <p:cTn id="80" dur="500"/>
                                         <p:tgtEl>
-                                          <p:spTgt spid="87"/>
+                                          <p:spTgt spid="101"/>
                                         </p:tgtEl>
                                       </p:cBhvr>
                                     </p:animEffect>
@@ -15149,7 +15149,7 @@
                                           </p:stCondLst>
                                         </p:cTn>
                                         <p:tgtEl>
-                                          <p:spTgt spid="2"/>
+                                          <p:spTgt spid="105"/>
                                         </p:tgtEl>
                                         <p:attrNameLst>
                                           <p:attrName>style.visibility</p:attrName>
@@ -15162,94 +15162,6 @@
                                     <p:animEffect transition="in" filter="fade">
                                       <p:cBhvr>
                                         <p:cTn id="85" dur="500"/>
-                                        <p:tgtEl>
-                                          <p:spTgt spid="2"/>
-                                        </p:tgtEl>
-                                      </p:cBhvr>
-                                    </p:animEffect>
-                                  </p:childTnLst>
-                                </p:cTn>
-                              </p:par>
-                              <p:par>
-                                <p:cTn id="86" presetID="10" presetClass="entr" presetSubtype="0" fill="hold" grpId="0" nodeType="withEffect">
-                                  <p:stCondLst>
-                                    <p:cond delay="0"/>
-                                  </p:stCondLst>
-                                  <p:childTnLst>
-                                    <p:set>
-                                      <p:cBhvr>
-                                        <p:cTn id="87" dur="1" fill="hold">
-                                          <p:stCondLst>
-                                            <p:cond delay="0"/>
-                                          </p:stCondLst>
-                                        </p:cTn>
-                                        <p:tgtEl>
-                                          <p:spTgt spid="101"/>
-                                        </p:tgtEl>
-                                        <p:attrNameLst>
-                                          <p:attrName>style.visibility</p:attrName>
-                                        </p:attrNameLst>
-                                      </p:cBhvr>
-                                      <p:to>
-                                        <p:strVal val="visible"/>
-                                      </p:to>
-                                    </p:set>
-                                    <p:animEffect transition="in" filter="fade">
-                                      <p:cBhvr>
-                                        <p:cTn id="88" dur="500"/>
-                                        <p:tgtEl>
-                                          <p:spTgt spid="101"/>
-                                        </p:tgtEl>
-                                      </p:cBhvr>
-                                    </p:animEffect>
-                                  </p:childTnLst>
-                                </p:cTn>
-                              </p:par>
-                            </p:childTnLst>
-                          </p:cTn>
-                        </p:par>
-                      </p:childTnLst>
-                    </p:cTn>
-                  </p:par>
-                  <p:par>
-                    <p:cTn id="89" fill="hold">
-                      <p:stCondLst>
-                        <p:cond delay="indefinite"/>
-                      </p:stCondLst>
-                      <p:childTnLst>
-                        <p:par>
-                          <p:cTn id="90" fill="hold">
-                            <p:stCondLst>
-                              <p:cond delay="0"/>
-                            </p:stCondLst>
-                            <p:childTnLst>
-                              <p:par>
-                                <p:cTn id="91" presetID="10" presetClass="entr" presetSubtype="0" fill="hold" grpId="0" nodeType="clickEffect">
-                                  <p:stCondLst>
-                                    <p:cond delay="0"/>
-                                  </p:stCondLst>
-                                  <p:childTnLst>
-                                    <p:set>
-                                      <p:cBhvr>
-                                        <p:cTn id="92" dur="1" fill="hold">
-                                          <p:stCondLst>
-                                            <p:cond delay="0"/>
-                                          </p:stCondLst>
-                                        </p:cTn>
-                                        <p:tgtEl>
-                                          <p:spTgt spid="105"/>
-                                        </p:tgtEl>
-                                        <p:attrNameLst>
-                                          <p:attrName>style.visibility</p:attrName>
-                                        </p:attrNameLst>
-                                      </p:cBhvr>
-                                      <p:to>
-                                        <p:strVal val="visible"/>
-                                      </p:to>
-                                    </p:set>
-                                    <p:animEffect transition="in" filter="fade">
-                                      <p:cBhvr>
-                                        <p:cTn id="93" dur="500"/>
                                         <p:tgtEl>
                                           <p:spTgt spid="105"/>
                                         </p:tgtEl>
@@ -15265,19 +15177,107 @@
                     </p:cTn>
                   </p:par>
                   <p:par>
-                    <p:cTn id="94" fill="hold">
+                    <p:cTn id="86" fill="hold">
                       <p:stCondLst>
                         <p:cond delay="indefinite"/>
                       </p:stCondLst>
                       <p:childTnLst>
                         <p:par>
-                          <p:cTn id="95" fill="hold">
+                          <p:cTn id="87" fill="hold">
                             <p:stCondLst>
                               <p:cond delay="0"/>
                             </p:stCondLst>
                             <p:childTnLst>
                               <p:par>
-                                <p:cTn id="96" presetID="10" presetClass="entr" presetSubtype="0" fill="hold" grpId="0" nodeType="clickEffect">
+                                <p:cTn id="88" presetID="10" presetClass="entr" presetSubtype="0" fill="hold" grpId="0" nodeType="clickEffect">
+                                  <p:stCondLst>
+                                    <p:cond delay="0"/>
+                                  </p:stCondLst>
+                                  <p:childTnLst>
+                                    <p:set>
+                                      <p:cBhvr>
+                                        <p:cTn id="89" dur="1" fill="hold">
+                                          <p:stCondLst>
+                                            <p:cond delay="0"/>
+                                          </p:stCondLst>
+                                        </p:cTn>
+                                        <p:tgtEl>
+                                          <p:spTgt spid="109"/>
+                                        </p:tgtEl>
+                                        <p:attrNameLst>
+                                          <p:attrName>style.visibility</p:attrName>
+                                        </p:attrNameLst>
+                                      </p:cBhvr>
+                                      <p:to>
+                                        <p:strVal val="visible"/>
+                                      </p:to>
+                                    </p:set>
+                                    <p:animEffect transition="in" filter="fade">
+                                      <p:cBhvr>
+                                        <p:cTn id="90" dur="500"/>
+                                        <p:tgtEl>
+                                          <p:spTgt spid="109"/>
+                                        </p:tgtEl>
+                                      </p:cBhvr>
+                                    </p:animEffect>
+                                  </p:childTnLst>
+                                </p:cTn>
+                              </p:par>
+                            </p:childTnLst>
+                          </p:cTn>
+                        </p:par>
+                      </p:childTnLst>
+                    </p:cTn>
+                  </p:par>
+                  <p:par>
+                    <p:cTn id="91" fill="hold">
+                      <p:stCondLst>
+                        <p:cond delay="indefinite"/>
+                      </p:stCondLst>
+                      <p:childTnLst>
+                        <p:par>
+                          <p:cTn id="92" fill="hold">
+                            <p:stCondLst>
+                              <p:cond delay="0"/>
+                            </p:stCondLst>
+                            <p:childTnLst>
+                              <p:par>
+                                <p:cTn id="93" presetID="10" presetClass="entr" presetSubtype="0" fill="hold" grpId="0" nodeType="clickEffect">
+                                  <p:stCondLst>
+                                    <p:cond delay="0"/>
+                                  </p:stCondLst>
+                                  <p:childTnLst>
+                                    <p:set>
+                                      <p:cBhvr>
+                                        <p:cTn id="94" dur="1" fill="hold">
+                                          <p:stCondLst>
+                                            <p:cond delay="0"/>
+                                          </p:stCondLst>
+                                        </p:cTn>
+                                        <p:tgtEl>
+                                          <p:spTgt spid="20"/>
+                                        </p:tgtEl>
+                                        <p:attrNameLst>
+                                          <p:attrName>style.visibility</p:attrName>
+                                        </p:attrNameLst>
+                                      </p:cBhvr>
+                                      <p:to>
+                                        <p:strVal val="visible"/>
+                                      </p:to>
+                                    </p:set>
+                                    <p:animEffect transition="in" filter="fade">
+                                      <p:cBhvr>
+                                        <p:cTn id="95" dur="500"/>
+                                        <p:tgtEl>
+                                          <p:spTgt spid="20"/>
+                                        </p:tgtEl>
+                                      </p:cBhvr>
+                                    </p:animEffect>
+                                  </p:childTnLst>
+                                </p:cTn>
+                              </p:par>
+                              <p:par>
+                                <p:cTn id="96" presetID="10" presetClass="entr" presetSubtype="0" fill="hold" grpId="0" nodeType="withEffect">
                                   <p:stCondLst>
                                     <p:cond delay="0"/>
                                   </p:stCondLst>
@@ -15290,7 +15290,7 @@
                                           </p:stCondLst>
                                         </p:cTn>
                                         <p:tgtEl>
-                                          <p:spTgt spid="106"/>
+                                          <p:spTgt spid="87"/>
                                         </p:tgtEl>
                                         <p:attrNameLst>
                                           <p:attrName>style.visibility</p:attrName>
@@ -15304,7 +15304,7 @@
                                       <p:cBhvr>
                                         <p:cTn id="98" dur="500"/>
                                         <p:tgtEl>
-                                          <p:spTgt spid="106"/>
+                                          <p:spTgt spid="87"/>
                                         </p:tgtEl>
                                       </p:cBhvr>
                                     </p:animEffect>

--- a/01-MINI PROJECT - FINAL SUBMISSION/Mini Project.pptx
+++ b/01-MINI PROJECT - FINAL SUBMISSION/Mini Project.pptx
@@ -112,7 +112,7 @@
   </p:defaultTextStyle>
   <p:extLst>
     <p:ext uri="{EFAFB233-063F-42B5-8137-9DF3F51BA10A}">
-      <p15:sldGuideLst xmlns:p15="http://schemas.microsoft.com/office/powerpoint/2012/main">
+      <p15:sldGuideLst xmlns="" xmlns:p15="http://schemas.microsoft.com/office/powerpoint/2012/main">
         <p15:guide id="1" orient="horz" pos="2160">
           <p15:clr>
             <a:srgbClr val="A4A3A4"/>
@@ -134,7 +134,7 @@
   <p:cmAuthor id="1" name="Karthikeyan N" initials="KN" lastIdx="0" clrIdx="0">
     <p:extLst>
       <p:ext uri="{19B8F6BF-5375-455C-9EA6-DF929625EA0E}">
-        <p15:presenceInfo xmlns:p15="http://schemas.microsoft.com/office/powerpoint/2012/main" userId="0910f87187a3195e" providerId="Windows Live"/>
+        <p15:presenceInfo xmlns="" xmlns:p15="http://schemas.microsoft.com/office/powerpoint/2012/main" userId="0910f87187a3195e" providerId="Windows Live"/>
       </p:ext>
     </p:extLst>
   </p:cmAuthor>
@@ -4417,7 +4417,7 @@
           <a:p>
             <a:fld id="{BA7A2FC8-CA20-44C1-8D29-7C6B04CD7F75}" type="datetimeFigureOut">
               <a:rPr lang="en-US" smtClean="0"/>
-              <a:t>5/15/2021</a:t>
+              <a:t>15-May-21</a:t>
             </a:fld>
             <a:endParaRPr lang="en-US"/>
           </a:p>
@@ -4687,7 +4687,7 @@
           <a:p>
             <a:fld id="{BA7A2FC8-CA20-44C1-8D29-7C6B04CD7F75}" type="datetimeFigureOut">
               <a:rPr lang="en-US" smtClean="0"/>
-              <a:t>5/15/2021</a:t>
+              <a:t>15-May-21</a:t>
             </a:fld>
             <a:endParaRPr lang="en-US"/>
           </a:p>
@@ -4886,7 +4886,7 @@
           <a:p>
             <a:fld id="{BA7A2FC8-CA20-44C1-8D29-7C6B04CD7F75}" type="datetimeFigureOut">
               <a:rPr lang="en-US" smtClean="0"/>
-              <a:t>5/15/2021</a:t>
+              <a:t>15-May-21</a:t>
             </a:fld>
             <a:endParaRPr lang="en-US"/>
           </a:p>
@@ -5152,7 +5152,7 @@
           <a:p>
             <a:fld id="{BA7A2FC8-CA20-44C1-8D29-7C6B04CD7F75}" type="datetimeFigureOut">
               <a:rPr lang="en-US" smtClean="0"/>
-              <a:t>5/15/2021</a:t>
+              <a:t>15-May-21</a:t>
             </a:fld>
             <a:endParaRPr lang="en-US"/>
           </a:p>
@@ -5589,7 +5589,7 @@
           <a:p>
             <a:fld id="{BA7A2FC8-CA20-44C1-8D29-7C6B04CD7F75}" type="datetimeFigureOut">
               <a:rPr lang="en-US" smtClean="0"/>
-              <a:t>5/15/2021</a:t>
+              <a:t>15-May-21</a:t>
             </a:fld>
             <a:endParaRPr lang="en-US"/>
           </a:p>
@@ -6138,7 +6138,7 @@
           <a:p>
             <a:fld id="{BA7A2FC8-CA20-44C1-8D29-7C6B04CD7F75}" type="datetimeFigureOut">
               <a:rPr lang="en-US" smtClean="0"/>
-              <a:t>5/15/2021</a:t>
+              <a:t>15-May-21</a:t>
             </a:fld>
             <a:endParaRPr lang="en-US"/>
           </a:p>
@@ -6861,7 +6861,7 @@
           <a:p>
             <a:fld id="{BA7A2FC8-CA20-44C1-8D29-7C6B04CD7F75}" type="datetimeFigureOut">
               <a:rPr lang="en-US" smtClean="0"/>
-              <a:t>5/15/2021</a:t>
+              <a:t>15-May-21</a:t>
             </a:fld>
             <a:endParaRPr lang="en-US"/>
           </a:p>
@@ -7034,7 +7034,7 @@
           <a:p>
             <a:fld id="{BA7A2FC8-CA20-44C1-8D29-7C6B04CD7F75}" type="datetimeFigureOut">
               <a:rPr lang="en-US" smtClean="0"/>
-              <a:t>5/15/2021</a:t>
+              <a:t>15-May-21</a:t>
             </a:fld>
             <a:endParaRPr lang="en-US"/>
           </a:p>
@@ -7217,7 +7217,7 @@
           <a:p>
             <a:fld id="{BA7A2FC8-CA20-44C1-8D29-7C6B04CD7F75}" type="datetimeFigureOut">
               <a:rPr lang="en-US" smtClean="0"/>
-              <a:t>5/15/2021</a:t>
+              <a:t>15-May-21</a:t>
             </a:fld>
             <a:endParaRPr lang="en-US"/>
           </a:p>
@@ -7390,7 +7390,7 @@
           <a:p>
             <a:fld id="{BA7A2FC8-CA20-44C1-8D29-7C6B04CD7F75}" type="datetimeFigureOut">
               <a:rPr lang="en-US" smtClean="0"/>
-              <a:t>5/15/2021</a:t>
+              <a:t>15-May-21</a:t>
             </a:fld>
             <a:endParaRPr lang="en-US"/>
           </a:p>
@@ -7643,7 +7643,7 @@
           <a:p>
             <a:fld id="{BA7A2FC8-CA20-44C1-8D29-7C6B04CD7F75}" type="datetimeFigureOut">
               <a:rPr lang="en-US" smtClean="0"/>
-              <a:t>5/15/2021</a:t>
+              <a:t>15-May-21</a:t>
             </a:fld>
             <a:endParaRPr lang="en-US"/>
           </a:p>
@@ -7878,7 +7878,7 @@
           <a:p>
             <a:fld id="{BA7A2FC8-CA20-44C1-8D29-7C6B04CD7F75}" type="datetimeFigureOut">
               <a:rPr lang="en-US" smtClean="0"/>
-              <a:t>5/15/2021</a:t>
+              <a:t>15-May-21</a:t>
             </a:fld>
             <a:endParaRPr lang="en-US"/>
           </a:p>
@@ -8262,7 +8262,7 @@
           <a:p>
             <a:fld id="{BA7A2FC8-CA20-44C1-8D29-7C6B04CD7F75}" type="datetimeFigureOut">
               <a:rPr lang="en-US" smtClean="0"/>
-              <a:t>5/15/2021</a:t>
+              <a:t>15-May-21</a:t>
             </a:fld>
             <a:endParaRPr lang="en-US"/>
           </a:p>
@@ -8383,7 +8383,7 @@
           <a:p>
             <a:fld id="{BA7A2FC8-CA20-44C1-8D29-7C6B04CD7F75}" type="datetimeFigureOut">
               <a:rPr lang="en-US" smtClean="0"/>
-              <a:t>5/15/2021</a:t>
+              <a:t>15-May-21</a:t>
             </a:fld>
             <a:endParaRPr lang="en-US"/>
           </a:p>
@@ -8481,7 +8481,7 @@
           <a:p>
             <a:fld id="{BA7A2FC8-CA20-44C1-8D29-7C6B04CD7F75}" type="datetimeFigureOut">
               <a:rPr lang="en-US" smtClean="0"/>
-              <a:t>5/15/2021</a:t>
+              <a:t>15-May-21</a:t>
             </a:fld>
             <a:endParaRPr lang="en-US"/>
           </a:p>
@@ -8733,7 +8733,7 @@
           <a:p>
             <a:fld id="{BA7A2FC8-CA20-44C1-8D29-7C6B04CD7F75}" type="datetimeFigureOut">
               <a:rPr lang="en-US" smtClean="0"/>
-              <a:t>5/15/2021</a:t>
+              <a:t>15-May-21</a:t>
             </a:fld>
             <a:endParaRPr lang="en-US"/>
           </a:p>
@@ -9016,7 +9016,7 @@
           <a:p>
             <a:fld id="{BA7A2FC8-CA20-44C1-8D29-7C6B04CD7F75}" type="datetimeFigureOut">
               <a:rPr lang="en-US" smtClean="0"/>
-              <a:t>5/15/2021</a:t>
+              <a:t>15-May-21</a:t>
             </a:fld>
             <a:endParaRPr lang="en-US"/>
           </a:p>
@@ -12096,7 +12096,7 @@
           <a:p>
             <a:fld id="{BA7A2FC8-CA20-44C1-8D29-7C6B04CD7F75}" type="datetimeFigureOut">
               <a:rPr lang="en-US" smtClean="0"/>
-              <a:t>5/15/2021</a:t>
+              <a:t>15-May-21</a:t>
             </a:fld>
             <a:endParaRPr lang="en-US"/>
           </a:p>
@@ -12571,8 +12571,12 @@
           <a:p>
             <a:pPr algn="ctr"/>
             <a:r>
+              <a:rPr lang="en-US" sz="4000" dirty="0" smtClean="0"/>
+              <a:t>Automatic </a:t>
+            </a:r>
+            <a:r>
               <a:rPr lang="en-US" sz="4000" dirty="0"/>
-              <a:t>Automated soldering machine</a:t>
+              <a:t>soldering machine</a:t>
             </a:r>
           </a:p>
         </p:txBody>
@@ -12585,7 +12589,7 @@
         </p:nvSpPr>
         <p:spPr>
           <a:xfrm>
-            <a:off x="2590800" y="3771117"/>
+            <a:off x="2171700" y="3810000"/>
             <a:ext cx="4800600" cy="2862322"/>
           </a:xfrm>
           <a:prstGeom prst="rect">
@@ -12820,7 +12824,7 @@
           <p:cNvPr id="2" name="Title 1">
             <a:extLst>
               <a:ext uri="{FF2B5EF4-FFF2-40B4-BE49-F238E27FC236}">
-                <a16:creationId xmlns:a16="http://schemas.microsoft.com/office/drawing/2014/main" id="{3E1FF0FC-4C7D-4762-8E24-D02496D414AA}"/>
+                <a16:creationId xmlns="" xmlns:a16="http://schemas.microsoft.com/office/drawing/2014/main" id="{3E1FF0FC-4C7D-4762-8E24-D02496D414AA}"/>
               </a:ext>
             </a:extLst>
           </p:cNvPr>
@@ -12854,7 +12858,7 @@
           <p:cNvPr id="3" name="Content Placeholder 2">
             <a:extLst>
               <a:ext uri="{FF2B5EF4-FFF2-40B4-BE49-F238E27FC236}">
-                <a16:creationId xmlns:a16="http://schemas.microsoft.com/office/drawing/2014/main" id="{0C421272-31B0-440B-B615-6974F71BA339}"/>
+                <a16:creationId xmlns="" xmlns:a16="http://schemas.microsoft.com/office/drawing/2014/main" id="{0C421272-31B0-440B-B615-6974F71BA339}"/>
               </a:ext>
             </a:extLst>
           </p:cNvPr>
@@ -12900,7 +12904,7 @@
           <p:cNvPr id="4" name="Slide Number Placeholder 3">
             <a:extLst>
               <a:ext uri="{FF2B5EF4-FFF2-40B4-BE49-F238E27FC236}">
-                <a16:creationId xmlns:a16="http://schemas.microsoft.com/office/drawing/2014/main" id="{688010C3-FE03-4A9C-B048-60C5B3CA2120}"/>
+                <a16:creationId xmlns="" xmlns:a16="http://schemas.microsoft.com/office/drawing/2014/main" id="{688010C3-FE03-4A9C-B048-60C5B3CA2120}"/>
               </a:ext>
             </a:extLst>
           </p:cNvPr>
@@ -13044,7 +13048,7 @@
           <p:cNvPr id="5" name="Oval 4">
             <a:extLst>
               <a:ext uri="{FF2B5EF4-FFF2-40B4-BE49-F238E27FC236}">
-                <a16:creationId xmlns:a16="http://schemas.microsoft.com/office/drawing/2014/main" id="{CF1442ED-87E1-4EB3-8CF9-8A5245A01DA0}"/>
+                <a16:creationId xmlns="" xmlns:a16="http://schemas.microsoft.com/office/drawing/2014/main" id="{CF1442ED-87E1-4EB3-8CF9-8A5245A01DA0}"/>
               </a:ext>
             </a:extLst>
           </p:cNvPr>
@@ -13120,7 +13124,7 @@
           <p:cNvPr id="13" name="Oval 12">
             <a:extLst>
               <a:ext uri="{FF2B5EF4-FFF2-40B4-BE49-F238E27FC236}">
-                <a16:creationId xmlns:a16="http://schemas.microsoft.com/office/drawing/2014/main" id="{92EDAE53-09A7-4338-AFE7-25A2A83E0565}"/>
+                <a16:creationId xmlns="" xmlns:a16="http://schemas.microsoft.com/office/drawing/2014/main" id="{92EDAE53-09A7-4338-AFE7-25A2A83E0565}"/>
               </a:ext>
             </a:extLst>
           </p:cNvPr>
@@ -13188,7 +13192,7 @@
           <p:cNvPr id="14" name="Oval 13">
             <a:extLst>
               <a:ext uri="{FF2B5EF4-FFF2-40B4-BE49-F238E27FC236}">
-                <a16:creationId xmlns:a16="http://schemas.microsoft.com/office/drawing/2014/main" id="{3AB6F5BB-DB76-4E97-9BE1-4A4B622BD0CD}"/>
+                <a16:creationId xmlns="" xmlns:a16="http://schemas.microsoft.com/office/drawing/2014/main" id="{3AB6F5BB-DB76-4E97-9BE1-4A4B622BD0CD}"/>
               </a:ext>
             </a:extLst>
           </p:cNvPr>
@@ -13250,7 +13254,7 @@
           <p:cNvPr id="15" name="Oval 14">
             <a:extLst>
               <a:ext uri="{FF2B5EF4-FFF2-40B4-BE49-F238E27FC236}">
-                <a16:creationId xmlns:a16="http://schemas.microsoft.com/office/drawing/2014/main" id="{25D7286A-DE7C-46DE-86A1-86E100CB0A72}"/>
+                <a16:creationId xmlns="" xmlns:a16="http://schemas.microsoft.com/office/drawing/2014/main" id="{25D7286A-DE7C-46DE-86A1-86E100CB0A72}"/>
               </a:ext>
             </a:extLst>
           </p:cNvPr>
@@ -13319,7 +13323,7 @@
           <p:cNvPr id="16" name="Oval 15">
             <a:extLst>
               <a:ext uri="{FF2B5EF4-FFF2-40B4-BE49-F238E27FC236}">
-                <a16:creationId xmlns:a16="http://schemas.microsoft.com/office/drawing/2014/main" id="{7FDB0DD4-F7B1-4892-8AAD-3EFAD8C0E6C8}"/>
+                <a16:creationId xmlns="" xmlns:a16="http://schemas.microsoft.com/office/drawing/2014/main" id="{7FDB0DD4-F7B1-4892-8AAD-3EFAD8C0E6C8}"/>
               </a:ext>
             </a:extLst>
           </p:cNvPr>
@@ -13381,7 +13385,7 @@
           <p:cNvPr id="17" name="Oval 16">
             <a:extLst>
               <a:ext uri="{FF2B5EF4-FFF2-40B4-BE49-F238E27FC236}">
-                <a16:creationId xmlns:a16="http://schemas.microsoft.com/office/drawing/2014/main" id="{E39CB3FB-E31F-4331-BCD9-67E4EA35EC17}"/>
+                <a16:creationId xmlns="" xmlns:a16="http://schemas.microsoft.com/office/drawing/2014/main" id="{E39CB3FB-E31F-4331-BCD9-67E4EA35EC17}"/>
               </a:ext>
             </a:extLst>
           </p:cNvPr>
@@ -13443,7 +13447,7 @@
           <p:cNvPr id="21" name="Arrow: Curved Down 20">
             <a:extLst>
               <a:ext uri="{FF2B5EF4-FFF2-40B4-BE49-F238E27FC236}">
-                <a16:creationId xmlns:a16="http://schemas.microsoft.com/office/drawing/2014/main" id="{89C8FEDD-39F4-420A-9CD7-49B05FAB0722}"/>
+                <a16:creationId xmlns="" xmlns:a16="http://schemas.microsoft.com/office/drawing/2014/main" id="{89C8FEDD-39F4-420A-9CD7-49B05FAB0722}"/>
               </a:ext>
             </a:extLst>
           </p:cNvPr>
@@ -13491,7 +13495,7 @@
           <p:cNvPr id="24" name="Arrow: Curved Up 23">
             <a:extLst>
               <a:ext uri="{FF2B5EF4-FFF2-40B4-BE49-F238E27FC236}">
-                <a16:creationId xmlns:a16="http://schemas.microsoft.com/office/drawing/2014/main" id="{C11E34B4-2A13-4D25-B1F5-ABBF73380031}"/>
+                <a16:creationId xmlns="" xmlns:a16="http://schemas.microsoft.com/office/drawing/2014/main" id="{C11E34B4-2A13-4D25-B1F5-ABBF73380031}"/>
               </a:ext>
             </a:extLst>
           </p:cNvPr>
@@ -13539,7 +13543,7 @@
           <p:cNvPr id="25" name="Arrow: Curved Up 24">
             <a:extLst>
               <a:ext uri="{FF2B5EF4-FFF2-40B4-BE49-F238E27FC236}">
-                <a16:creationId xmlns:a16="http://schemas.microsoft.com/office/drawing/2014/main" id="{BD7A229F-DFFE-4983-B350-2AC5CFDB9F4C}"/>
+                <a16:creationId xmlns="" xmlns:a16="http://schemas.microsoft.com/office/drawing/2014/main" id="{BD7A229F-DFFE-4983-B350-2AC5CFDB9F4C}"/>
               </a:ext>
             </a:extLst>
           </p:cNvPr>
@@ -13587,7 +13591,7 @@
           <p:cNvPr id="18" name="Slide Number Placeholder 3">
             <a:extLst>
               <a:ext uri="{FF2B5EF4-FFF2-40B4-BE49-F238E27FC236}">
-                <a16:creationId xmlns:a16="http://schemas.microsoft.com/office/drawing/2014/main" id="{688010C3-FE03-4A9C-B048-60C5B3CA2120}"/>
+                <a16:creationId xmlns="" xmlns:a16="http://schemas.microsoft.com/office/drawing/2014/main" id="{688010C3-FE03-4A9C-B048-60C5B3CA2120}"/>
               </a:ext>
             </a:extLst>
           </p:cNvPr>
@@ -13720,7 +13724,7 @@
           <p:cNvPr id="19" name="Oval 18">
             <a:extLst>
               <a:ext uri="{FF2B5EF4-FFF2-40B4-BE49-F238E27FC236}">
-                <a16:creationId xmlns:a16="http://schemas.microsoft.com/office/drawing/2014/main" id="{7FDB0DD4-F7B1-4892-8AAD-3EFAD8C0E6C8}"/>
+                <a16:creationId xmlns="" xmlns:a16="http://schemas.microsoft.com/office/drawing/2014/main" id="{7FDB0DD4-F7B1-4892-8AAD-3EFAD8C0E6C8}"/>
               </a:ext>
             </a:extLst>
           </p:cNvPr>
@@ -13781,7 +13785,7 @@
           <p:cNvPr id="20" name="Oval 19">
             <a:extLst>
               <a:ext uri="{FF2B5EF4-FFF2-40B4-BE49-F238E27FC236}">
-                <a16:creationId xmlns:a16="http://schemas.microsoft.com/office/drawing/2014/main" id="{3AB6F5BB-DB76-4E97-9BE1-4A4B622BD0CD}"/>
+                <a16:creationId xmlns="" xmlns:a16="http://schemas.microsoft.com/office/drawing/2014/main" id="{3AB6F5BB-DB76-4E97-9BE1-4A4B622BD0CD}"/>
               </a:ext>
             </a:extLst>
           </p:cNvPr>
@@ -13839,7 +13843,7 @@
           <p:cNvPr id="26" name="Arrow: Curved Up 23">
             <a:extLst>
               <a:ext uri="{FF2B5EF4-FFF2-40B4-BE49-F238E27FC236}">
-                <a16:creationId xmlns:a16="http://schemas.microsoft.com/office/drawing/2014/main" id="{C11E34B4-2A13-4D25-B1F5-ABBF73380031}"/>
+                <a16:creationId xmlns="" xmlns:a16="http://schemas.microsoft.com/office/drawing/2014/main" id="{C11E34B4-2A13-4D25-B1F5-ABBF73380031}"/>
               </a:ext>
             </a:extLst>
           </p:cNvPr>
@@ -13925,7 +13929,7 @@
           <p:cNvPr id="87" name="TextBox 86">
             <a:extLst>
               <a:ext uri="{FF2B5EF4-FFF2-40B4-BE49-F238E27FC236}">
-                <a16:creationId xmlns:a16="http://schemas.microsoft.com/office/drawing/2014/main" id="{5DF4509E-EFFB-4782-A6BC-9ED8283B696E}"/>
+                <a16:creationId xmlns="" xmlns:a16="http://schemas.microsoft.com/office/drawing/2014/main" id="{5DF4509E-EFFB-4782-A6BC-9ED8283B696E}"/>
               </a:ext>
             </a:extLst>
           </p:cNvPr>
@@ -13967,7 +13971,7 @@
           <p:cNvPr id="88" name="Arrow: Curved Up 87">
             <a:extLst>
               <a:ext uri="{FF2B5EF4-FFF2-40B4-BE49-F238E27FC236}">
-                <a16:creationId xmlns:a16="http://schemas.microsoft.com/office/drawing/2014/main" id="{C9206E78-FB76-4660-A40D-DFA9484A0768}"/>
+                <a16:creationId xmlns="" xmlns:a16="http://schemas.microsoft.com/office/drawing/2014/main" id="{C9206E78-FB76-4660-A40D-DFA9484A0768}"/>
               </a:ext>
             </a:extLst>
           </p:cNvPr>
@@ -14015,7 +14019,7 @@
           <p:cNvPr id="101" name="TextBox 100">
             <a:extLst>
               <a:ext uri="{FF2B5EF4-FFF2-40B4-BE49-F238E27FC236}">
-                <a16:creationId xmlns:a16="http://schemas.microsoft.com/office/drawing/2014/main" id="{7D474E5C-1F8C-4503-85AC-8E923E907EF4}"/>
+                <a16:creationId xmlns="" xmlns:a16="http://schemas.microsoft.com/office/drawing/2014/main" id="{7D474E5C-1F8C-4503-85AC-8E923E907EF4}"/>
               </a:ext>
             </a:extLst>
           </p:cNvPr>
@@ -14057,7 +14061,7 @@
           <p:cNvPr id="104" name="Arrow: Down 103">
             <a:extLst>
               <a:ext uri="{FF2B5EF4-FFF2-40B4-BE49-F238E27FC236}">
-                <a16:creationId xmlns:a16="http://schemas.microsoft.com/office/drawing/2014/main" id="{766A4A1F-C439-4079-853F-A023CE16DAA4}"/>
+                <a16:creationId xmlns="" xmlns:a16="http://schemas.microsoft.com/office/drawing/2014/main" id="{766A4A1F-C439-4079-853F-A023CE16DAA4}"/>
               </a:ext>
             </a:extLst>
           </p:cNvPr>
@@ -14101,7 +14105,7 @@
           <p:cNvPr id="105" name="Arrow: Down 104">
             <a:extLst>
               <a:ext uri="{FF2B5EF4-FFF2-40B4-BE49-F238E27FC236}">
-                <a16:creationId xmlns:a16="http://schemas.microsoft.com/office/drawing/2014/main" id="{878D5B7E-288B-4159-877B-E5C0DBA18E3D}"/>
+                <a16:creationId xmlns="" xmlns:a16="http://schemas.microsoft.com/office/drawing/2014/main" id="{878D5B7E-288B-4159-877B-E5C0DBA18E3D}"/>
               </a:ext>
             </a:extLst>
           </p:cNvPr>
@@ -14145,7 +14149,7 @@
           <p:cNvPr id="106" name="Arrow: Down 105">
             <a:extLst>
               <a:ext uri="{FF2B5EF4-FFF2-40B4-BE49-F238E27FC236}">
-                <a16:creationId xmlns:a16="http://schemas.microsoft.com/office/drawing/2014/main" id="{C7C9B3FE-1210-46B1-B20D-C0060D5F2BBA}"/>
+                <a16:creationId xmlns="" xmlns:a16="http://schemas.microsoft.com/office/drawing/2014/main" id="{C7C9B3FE-1210-46B1-B20D-C0060D5F2BBA}"/>
               </a:ext>
             </a:extLst>
           </p:cNvPr>
@@ -14189,7 +14193,7 @@
           <p:cNvPr id="107" name="Arrow: Down 106">
             <a:extLst>
               <a:ext uri="{FF2B5EF4-FFF2-40B4-BE49-F238E27FC236}">
-                <a16:creationId xmlns:a16="http://schemas.microsoft.com/office/drawing/2014/main" id="{753C6E5D-DFD3-4D51-85F5-C50A917DA4E0}"/>
+                <a16:creationId xmlns="" xmlns:a16="http://schemas.microsoft.com/office/drawing/2014/main" id="{753C6E5D-DFD3-4D51-85F5-C50A917DA4E0}"/>
               </a:ext>
             </a:extLst>
           </p:cNvPr>
@@ -14233,7 +14237,7 @@
           <p:cNvPr id="109" name="Arrow: Down 108">
             <a:extLst>
               <a:ext uri="{FF2B5EF4-FFF2-40B4-BE49-F238E27FC236}">
-                <a16:creationId xmlns:a16="http://schemas.microsoft.com/office/drawing/2014/main" id="{077D00D8-65FB-4D7D-9C23-DB618978BB3C}"/>
+                <a16:creationId xmlns="" xmlns:a16="http://schemas.microsoft.com/office/drawing/2014/main" id="{077D00D8-65FB-4D7D-9C23-DB618978BB3C}"/>
               </a:ext>
             </a:extLst>
           </p:cNvPr>
@@ -15440,7 +15444,7 @@
           <p:cNvPr id="5" name="Picture 4">
             <a:extLst>
               <a:ext uri="{FF2B5EF4-FFF2-40B4-BE49-F238E27FC236}">
-                <a16:creationId xmlns:a16="http://schemas.microsoft.com/office/drawing/2014/main" id="{568B24CE-BFDC-4A89-B104-FF42230DD486}"/>
+                <a16:creationId xmlns="" xmlns:a16="http://schemas.microsoft.com/office/drawing/2014/main" id="{568B24CE-BFDC-4A89-B104-FF42230DD486}"/>
               </a:ext>
             </a:extLst>
           </p:cNvPr>
@@ -15470,7 +15474,7 @@
           <p:cNvPr id="7" name="TextBox 6">
             <a:extLst>
               <a:ext uri="{FF2B5EF4-FFF2-40B4-BE49-F238E27FC236}">
-                <a16:creationId xmlns:a16="http://schemas.microsoft.com/office/drawing/2014/main" id="{A52515A5-15CB-45DB-8672-E9EA5ECFC556}"/>
+                <a16:creationId xmlns="" xmlns:a16="http://schemas.microsoft.com/office/drawing/2014/main" id="{A52515A5-15CB-45DB-8672-E9EA5ECFC556}"/>
               </a:ext>
             </a:extLst>
           </p:cNvPr>
@@ -15507,7 +15511,7 @@
           <p:cNvPr id="6" name="Slide Number Placeholder 3">
             <a:extLst>
               <a:ext uri="{FF2B5EF4-FFF2-40B4-BE49-F238E27FC236}">
-                <a16:creationId xmlns:a16="http://schemas.microsoft.com/office/drawing/2014/main" id="{688010C3-FE03-4A9C-B048-60C5B3CA2120}"/>
+                <a16:creationId xmlns="" xmlns:a16="http://schemas.microsoft.com/office/drawing/2014/main" id="{688010C3-FE03-4A9C-B048-60C5B3CA2120}"/>
               </a:ext>
             </a:extLst>
           </p:cNvPr>
@@ -15640,7 +15644,7 @@
           <p:cNvPr id="4" name="Oval 3">
             <a:extLst>
               <a:ext uri="{FF2B5EF4-FFF2-40B4-BE49-F238E27FC236}">
-                <a16:creationId xmlns:a16="http://schemas.microsoft.com/office/drawing/2014/main" id="{D67D5ECF-9E4F-4FF1-8479-6500C3E5FAD5}"/>
+                <a16:creationId xmlns="" xmlns:a16="http://schemas.microsoft.com/office/drawing/2014/main" id="{D67D5ECF-9E4F-4FF1-8479-6500C3E5FAD5}"/>
               </a:ext>
             </a:extLst>
           </p:cNvPr>
@@ -15725,7 +15729,7 @@
           <p:cNvPr id="3" name="TextBox 2">
             <a:extLst>
               <a:ext uri="{FF2B5EF4-FFF2-40B4-BE49-F238E27FC236}">
-                <a16:creationId xmlns:a16="http://schemas.microsoft.com/office/drawing/2014/main" id="{2E54FA32-6A32-4EA7-8344-E4C95783DC57}"/>
+                <a16:creationId xmlns="" xmlns:a16="http://schemas.microsoft.com/office/drawing/2014/main" id="{2E54FA32-6A32-4EA7-8344-E4C95783DC57}"/>
               </a:ext>
             </a:extLst>
           </p:cNvPr>
@@ -15762,7 +15766,7 @@
           <p:cNvPr id="6" name="Picture 5">
             <a:extLst>
               <a:ext uri="{FF2B5EF4-FFF2-40B4-BE49-F238E27FC236}">
-                <a16:creationId xmlns:a16="http://schemas.microsoft.com/office/drawing/2014/main" id="{54DE9FCC-50DD-4888-80AC-ABE04D4E1ACE}"/>
+                <a16:creationId xmlns="" xmlns:a16="http://schemas.microsoft.com/office/drawing/2014/main" id="{54DE9FCC-50DD-4888-80AC-ABE04D4E1ACE}"/>
               </a:ext>
             </a:extLst>
           </p:cNvPr>
@@ -15792,7 +15796,7 @@
           <p:cNvPr id="9" name="Picture 8">
             <a:extLst>
               <a:ext uri="{FF2B5EF4-FFF2-40B4-BE49-F238E27FC236}">
-                <a16:creationId xmlns:a16="http://schemas.microsoft.com/office/drawing/2014/main" id="{3E60FACE-15C3-4A44-B33A-AEAB02F641CA}"/>
+                <a16:creationId xmlns="" xmlns:a16="http://schemas.microsoft.com/office/drawing/2014/main" id="{3E60FACE-15C3-4A44-B33A-AEAB02F641CA}"/>
               </a:ext>
             </a:extLst>
           </p:cNvPr>
@@ -15822,7 +15826,7 @@
           <p:cNvPr id="7" name="Slide Number Placeholder 3">
             <a:extLst>
               <a:ext uri="{FF2B5EF4-FFF2-40B4-BE49-F238E27FC236}">
-                <a16:creationId xmlns:a16="http://schemas.microsoft.com/office/drawing/2014/main" id="{688010C3-FE03-4A9C-B048-60C5B3CA2120}"/>
+                <a16:creationId xmlns="" xmlns:a16="http://schemas.microsoft.com/office/drawing/2014/main" id="{688010C3-FE03-4A9C-B048-60C5B3CA2120}"/>
               </a:ext>
             </a:extLst>
           </p:cNvPr>
@@ -15955,7 +15959,7 @@
           <p:cNvPr id="2" name="TextBox 1">
             <a:extLst>
               <a:ext uri="{FF2B5EF4-FFF2-40B4-BE49-F238E27FC236}">
-                <a16:creationId xmlns:a16="http://schemas.microsoft.com/office/drawing/2014/main" id="{6BF3522E-D38A-42FE-86AF-892E17CCBC4B}"/>
+                <a16:creationId xmlns="" xmlns:a16="http://schemas.microsoft.com/office/drawing/2014/main" id="{6BF3522E-D38A-42FE-86AF-892E17CCBC4B}"/>
               </a:ext>
             </a:extLst>
           </p:cNvPr>
@@ -15993,7 +15997,7 @@
           <p:cNvPr id="5" name="TextBox 4">
             <a:extLst>
               <a:ext uri="{FF2B5EF4-FFF2-40B4-BE49-F238E27FC236}">
-                <a16:creationId xmlns:a16="http://schemas.microsoft.com/office/drawing/2014/main" id="{02A5DE75-5963-467C-9E39-9BB75F68E2F5}"/>
+                <a16:creationId xmlns="" xmlns:a16="http://schemas.microsoft.com/office/drawing/2014/main" id="{02A5DE75-5963-467C-9E39-9BB75F68E2F5}"/>
               </a:ext>
             </a:extLst>
           </p:cNvPr>
@@ -16325,7 +16329,7 @@
   <a:extraClrSchemeLst/>
   <a:extLst>
     <a:ext uri="{05A4C25C-085E-4340-85A3-A5531E510DB2}">
-      <thm15:themeFamily xmlns:thm15="http://schemas.microsoft.com/office/thememl/2012/main" name="Circuit" id="{0AC2F7E7-15F5-431C-B2A2-456FE929F56C}" vid="{0911B802-464C-4241-8DD9-B60FF88E379F}"/>
+      <thm15:themeFamily xmlns="" xmlns:thm15="http://schemas.microsoft.com/office/thememl/2012/main" name="Circuit" id="{0AC2F7E7-15F5-431C-B2A2-456FE929F56C}" vid="{0911B802-464C-4241-8DD9-B60FF88E379F}"/>
     </a:ext>
   </a:extLst>
 </a:theme>
